--- a/Webpack4-从零开始搭建React项目.pptx
+++ b/Webpack4-从零开始搭建React项目.pptx
@@ -7038,7 +7038,7 @@
         <p:spPr>
           <a:xfrm>
             <a:off x="6064250" y="3601720"/>
-            <a:ext cx="1095375" cy="643890"/>
+            <a:ext cx="1004570" cy="643890"/>
           </a:xfrm>
           <a:prstGeom prst="rect">
             <a:avLst/>
@@ -7082,7 +7082,7 @@
               <a:buNone/>
             </a:pPr>
             <a:r>
-              <a:rPr kumimoji="0" lang="en-US" altLang="zh-CN" sz="3600" b="0" i="0" u="none" strike="noStrike" cap="none" spc="0" normalizeH="0" baseline="0">
+              <a:rPr kumimoji="0" lang="zh-CN" altLang="en-US" sz="3600" b="0" i="0" u="none" strike="noStrike" cap="none" spc="0" normalizeH="0" baseline="0">
                 <a:ln>
                   <a:noFill/>
                 </a:ln>
@@ -7092,13 +7092,13 @@
                 <a:effectLst/>
                 <a:uFillTx/>
                 <a:latin typeface="+mn-lt"/>
-                <a:ea typeface="+mn-ea"/>
+                <a:ea typeface="宋体" panose="02010600030101010101" pitchFamily="2" charset="-122"/>
                 <a:cs typeface="+mn-cs"/>
                 <a:sym typeface="Calibri" panose="020F0502020204030204"/>
               </a:rPr>
-              <a:t>Eslint</a:t>
-            </a:r>
-            <a:endParaRPr kumimoji="0" lang="en-US" altLang="zh-CN" sz="3600" b="0" i="0" u="none" strike="noStrike" cap="none" spc="0" normalizeH="0" baseline="0">
+              <a:t>缓存</a:t>
+            </a:r>
+            <a:endParaRPr kumimoji="0" lang="zh-CN" altLang="en-US" sz="3600" b="0" i="0" u="none" strike="noStrike" cap="none" spc="0" normalizeH="0" baseline="0">
               <a:ln>
                 <a:noFill/>
               </a:ln>
@@ -7108,7 +7108,7 @@
               <a:effectLst/>
               <a:uFillTx/>
               <a:latin typeface="+mn-lt"/>
-              <a:ea typeface="+mn-ea"/>
+              <a:ea typeface="宋体" panose="02010600030101010101" pitchFamily="2" charset="-122"/>
               <a:cs typeface="+mn-cs"/>
               <a:sym typeface="Calibri" panose="020F0502020204030204"/>
             </a:endParaRPr>
@@ -8084,7 +8084,7 @@
                 <a:cs typeface="+mn-cs"/>
                 <a:sym typeface="Calibri" panose="020F0502020204030204"/>
               </a:rPr>
-              <a:t>6. 代码检查</a:t>
+              <a:t>6. 缓存</a:t>
             </a:r>
             <a:r>
               <a:rPr lang="en-US" altLang="zh-CN" sz="3600">
@@ -8093,12 +8093,12 @@
               <a:t>: </a:t>
             </a:r>
             <a:r>
-              <a:rPr lang="en-US" altLang="zh-CN" sz="2800">
+              <a:rPr lang="en-US" sz="2800">
                 <a:sym typeface="Calibri" panose="020F0502020204030204"/>
               </a:rPr>
-              <a:t>eslint-loader</a:t>
-            </a:r>
-            <a:endParaRPr kumimoji="0" lang="zh-CN" altLang="en-US" sz="3600" b="0" i="0" u="none" strike="noStrike" cap="none" spc="0" normalizeH="0" baseline="0">
+              <a:t>hash</a:t>
+            </a:r>
+            <a:endParaRPr kumimoji="0" lang="en-US" sz="3600" b="0" i="0" u="none" strike="noStrike" cap="none" spc="0" normalizeH="0" baseline="0">
               <a:ln>
                 <a:noFill/>
               </a:ln>

--- a/Webpack4-从零开始搭建React项目.pptx
+++ b/Webpack4-从零开始搭建React项目.pptx
@@ -5,7 +5,7 @@
     <p:sldMasterId id="2147483648" r:id="rId1"/>
   </p:sldMasterIdLst>
   <p:notesMasterIdLst>
-    <p:notesMasterId r:id="rId21"/>
+    <p:notesMasterId r:id="rId10"/>
   </p:notesMasterIdLst>
   <p:sldIdLst>
     <p:sldId id="256" r:id="rId3"/>
@@ -15,17 +15,17 @@
     <p:sldId id="261" r:id="rId7"/>
     <p:sldId id="260" r:id="rId8"/>
     <p:sldId id="263" r:id="rId9"/>
-    <p:sldId id="264" r:id="rId10"/>
-    <p:sldId id="267" r:id="rId11"/>
-    <p:sldId id="401" r:id="rId12"/>
-    <p:sldId id="314" r:id="rId13"/>
-    <p:sldId id="300" r:id="rId14"/>
-    <p:sldId id="299" r:id="rId15"/>
-    <p:sldId id="396" r:id="rId16"/>
-    <p:sldId id="397" r:id="rId17"/>
-    <p:sldId id="399" r:id="rId18"/>
-    <p:sldId id="400" r:id="rId19"/>
-    <p:sldId id="324" r:id="rId20"/>
+    <p:sldId id="264" r:id="rId11"/>
+    <p:sldId id="267" r:id="rId12"/>
+    <p:sldId id="401" r:id="rId13"/>
+    <p:sldId id="314" r:id="rId14"/>
+    <p:sldId id="300" r:id="rId15"/>
+    <p:sldId id="299" r:id="rId16"/>
+    <p:sldId id="396" r:id="rId17"/>
+    <p:sldId id="397" r:id="rId18"/>
+    <p:sldId id="399" r:id="rId19"/>
+    <p:sldId id="400" r:id="rId20"/>
+    <p:sldId id="324" r:id="rId21"/>
   </p:sldIdLst>
   <p:sldSz cx="12192000" cy="6858000"/>
   <p:notesSz cx="6858000" cy="9144000"/>
@@ -470,6 +470,50 @@
     </a:lvl9pPr>
   </p:notesStyle>
 </p:notesMaster>
+</file>
+
+<file path=ppt/notesSlides/notesSlide1.xml><?xml version="1.0" encoding="utf-8"?>
+<p:notes xmlns:a="http://schemas.openxmlformats.org/drawingml/2006/main" xmlns:r="http://schemas.openxmlformats.org/officeDocument/2006/relationships" xmlns:p="http://schemas.openxmlformats.org/presentationml/2006/main">
+  <p:cSld>
+    <p:spTree>
+      <p:nvGrpSpPr>
+        <p:cNvPr id="1" name=""/>
+        <p:cNvGrpSpPr/>
+        <p:nvPr/>
+      </p:nvGrpSpPr>
+      <p:grpSpPr/>
+      <p:sp>
+        <p:nvSpPr>
+          <p:cNvPr id="2" name="幻灯片图像占位符 1"/>
+          <p:cNvSpPr/>
+          <p:nvPr>
+            <p:ph type="sldImg"/>
+          </p:nvPr>
+        </p:nvSpPr>
+        <p:spPr/>
+      </p:sp>
+      <p:sp>
+        <p:nvSpPr>
+          <p:cNvPr id="3" name="文本占位符 2"/>
+          <p:cNvSpPr/>
+          <p:nvPr>
+            <p:ph type="body" idx="1"/>
+          </p:nvPr>
+        </p:nvSpPr>
+        <p:spPr/>
+        <p:txBody>
+          <a:bodyPr/>
+          <a:p>
+            <a:endParaRPr lang="zh-CN" altLang="en-US"/>
+          </a:p>
+        </p:txBody>
+      </p:sp>
+    </p:spTree>
+  </p:cSld>
+  <p:clrMapOvr>
+    <a:masterClrMapping/>
+  </p:clrMapOvr>
+</p:notes>
 </file>
 
 <file path=ppt/slideLayouts/slideLayout1.xml><?xml version="1.0" encoding="utf-8"?>
@@ -3549,8 +3593,8 @@
         </p:nvSpPr>
         <p:spPr>
           <a:xfrm>
-            <a:off x="5469865" y="4661268"/>
-            <a:ext cx="1252905" cy="461665"/>
+            <a:off x="5479098" y="4661268"/>
+            <a:ext cx="1234440" cy="460375"/>
           </a:xfrm>
           <a:prstGeom prst="rect">
             <a:avLst/>
@@ -3580,7 +3624,7 @@
             </a:r>
             <a:r>
               <a:rPr lang="en-US" dirty="0" smtClean="0"/>
-              <a:t>8</a:t>
+              <a:t>9</a:t>
             </a:r>
             <a:endParaRPr dirty="0"/>
           </a:p>
@@ -7038,7 +7082,7 @@
         <p:spPr>
           <a:xfrm>
             <a:off x="6064250" y="3601720"/>
-            <a:ext cx="1004570" cy="643890"/>
+            <a:ext cx="1882775" cy="643890"/>
           </a:xfrm>
           <a:prstGeom prst="rect">
             <a:avLst/>
@@ -7082,6 +7126,23 @@
               <a:buNone/>
             </a:pPr>
             <a:r>
+              <a:rPr kumimoji="0" lang="en-US" altLang="zh-CN" sz="3600" b="0" i="0" u="none" strike="noStrike" cap="none" spc="0" normalizeH="0" baseline="0">
+                <a:ln>
+                  <a:noFill/>
+                </a:ln>
+                <a:solidFill>
+                  <a:srgbClr val="000000"/>
+                </a:solidFill>
+                <a:effectLst/>
+                <a:uFillTx/>
+                <a:latin typeface="+mn-lt"/>
+                <a:ea typeface="宋体" panose="02010600030101010101" pitchFamily="2" charset="-122"/>
+                <a:cs typeface="+mn-cs"/>
+                <a:sym typeface="Calibri" panose="020F0502020204030204"/>
+              </a:rPr>
+              <a:t>hash</a:t>
+            </a:r>
+            <a:r>
               <a:rPr kumimoji="0" lang="zh-CN" altLang="en-US" sz="3600" b="0" i="0" u="none" strike="noStrike" cap="none" spc="0" normalizeH="0" baseline="0">
                 <a:ln>
                   <a:noFill/>
@@ -7097,6 +7158,386 @@
                 <a:sym typeface="Calibri" panose="020F0502020204030204"/>
               </a:rPr>
               <a:t>缓存</a:t>
+            </a:r>
+            <a:endParaRPr kumimoji="0" lang="zh-CN" altLang="en-US" sz="3600" b="0" i="0" u="none" strike="noStrike" cap="none" spc="0" normalizeH="0" baseline="0">
+              <a:ln>
+                <a:noFill/>
+              </a:ln>
+              <a:solidFill>
+                <a:srgbClr val="000000"/>
+              </a:solidFill>
+              <a:effectLst/>
+              <a:uFillTx/>
+              <a:latin typeface="+mn-lt"/>
+              <a:ea typeface="宋体" panose="02010600030101010101" pitchFamily="2" charset="-122"/>
+              <a:cs typeface="+mn-cs"/>
+              <a:sym typeface="Calibri" panose="020F0502020204030204"/>
+            </a:endParaRPr>
+          </a:p>
+        </p:txBody>
+      </p:sp>
+      <p:sp>
+        <p:nvSpPr>
+          <p:cNvPr id="2" name="文本框 1"/>
+          <p:cNvSpPr txBox="1"/>
+          <p:nvPr/>
+        </p:nvSpPr>
+        <p:spPr>
+          <a:xfrm>
+            <a:off x="156210" y="3843020"/>
+            <a:ext cx="13322935" cy="2860040"/>
+          </a:xfrm>
+          <a:prstGeom prst="rect">
+            <a:avLst/>
+          </a:prstGeom>
+          <a:noFill/>
+          <a:ln w="12700" cap="flat">
+            <a:noFill/>
+            <a:miter lim="400000"/>
+          </a:ln>
+        </p:spPr>
+        <p:style>
+          <a:lnRef idx="0">
+            <a:srgbClr val="FFFFFF"/>
+          </a:lnRef>
+          <a:fillRef idx="0">
+            <a:srgbClr val="FFFFFF"/>
+          </a:fillRef>
+          <a:effectRef idx="0">
+            <a:srgbClr val="FFFFFF"/>
+          </a:effectRef>
+          <a:fontRef idx="none"/>
+        </p:style>
+        <p:txBody>
+          <a:bodyPr rot="0" vertOverflow="overflow" horzOverflow="overflow" vert="horz" wrap="none" lIns="45719" tIns="45719" rIns="45719" bIns="45719" numCol="1" spcCol="38100" rtlCol="0" anchor="t" forceAA="0">
+            <a:spAutoFit/>
+          </a:bodyPr>
+          <a:p>
+            <a:pPr marL="0" marR="0" indent="0" algn="l" defTabSz="914400" rtl="0" fontAlgn="auto" latinLnBrk="0" hangingPunct="0">
+              <a:lnSpc>
+                <a:spcPct val="100000"/>
+              </a:lnSpc>
+              <a:spcBef>
+                <a:spcPts val="0"/>
+              </a:spcBef>
+              <a:spcAft>
+                <a:spcPts val="0"/>
+              </a:spcAft>
+              <a:buClrTx/>
+              <a:buSzTx/>
+              <a:buFontTx/>
+              <a:buNone/>
+            </a:pPr>
+            <a:r>
+              <a:rPr kumimoji="0" lang="zh-CN" altLang="en-US" sz="3600" b="0" i="0" u="none" strike="noStrike" cap="none" spc="0" normalizeH="0" baseline="0">
+                <a:ln>
+                  <a:noFill/>
+                </a:ln>
+                <a:solidFill>
+                  <a:srgbClr val="000000"/>
+                </a:solidFill>
+                <a:effectLst/>
+                <a:uFillTx/>
+                <a:latin typeface="+mn-lt"/>
+                <a:ea typeface="宋体" panose="02010600030101010101" pitchFamily="2" charset="-122"/>
+                <a:cs typeface="+mn-cs"/>
+                <a:sym typeface="Calibri" panose="020F0502020204030204"/>
+              </a:rPr>
+              <a:t>遗留问题：</a:t>
+            </a:r>
+            <a:endParaRPr kumimoji="0" lang="zh-CN" altLang="en-US" sz="3600" b="0" i="0" u="none" strike="noStrike" cap="none" spc="0" normalizeH="0" baseline="0">
+              <a:ln>
+                <a:noFill/>
+              </a:ln>
+              <a:solidFill>
+                <a:srgbClr val="000000"/>
+              </a:solidFill>
+              <a:effectLst/>
+              <a:uFillTx/>
+              <a:latin typeface="+mn-lt"/>
+              <a:ea typeface="宋体" panose="02010600030101010101" pitchFamily="2" charset="-122"/>
+              <a:cs typeface="+mn-cs"/>
+              <a:sym typeface="Calibri" panose="020F0502020204030204"/>
+            </a:endParaRPr>
+          </a:p>
+          <a:p>
+            <a:pPr marL="0" marR="0" indent="0" algn="l" defTabSz="914400" rtl="0" fontAlgn="auto" latinLnBrk="0" hangingPunct="0">
+              <a:lnSpc>
+                <a:spcPct val="100000"/>
+              </a:lnSpc>
+              <a:spcBef>
+                <a:spcPts val="0"/>
+              </a:spcBef>
+              <a:spcAft>
+                <a:spcPts val="0"/>
+              </a:spcAft>
+              <a:buClrTx/>
+              <a:buSzTx/>
+              <a:buFontTx/>
+              <a:buNone/>
+            </a:pPr>
+            <a:r>
+              <a:rPr kumimoji="0" lang="en-US" altLang="zh-CN" sz="3600" b="0" i="0" u="none" strike="noStrike" cap="none" spc="0" normalizeH="0" baseline="0">
+                <a:ln>
+                  <a:noFill/>
+                </a:ln>
+                <a:solidFill>
+                  <a:srgbClr val="000000"/>
+                </a:solidFill>
+                <a:effectLst/>
+                <a:uFillTx/>
+                <a:latin typeface="+mn-lt"/>
+                <a:ea typeface="宋体" panose="02010600030101010101" pitchFamily="2" charset="-122"/>
+                <a:cs typeface="+mn-cs"/>
+                <a:sym typeface="Calibri" panose="020F0502020204030204"/>
+              </a:rPr>
+              <a:t>	1. </a:t>
+            </a:r>
+            <a:r>
+              <a:rPr kumimoji="0" lang="zh-CN" altLang="en-US" sz="3600" b="0" i="0" u="none" strike="noStrike" cap="none" spc="0" normalizeH="0" baseline="0">
+                <a:ln>
+                  <a:noFill/>
+                </a:ln>
+                <a:solidFill>
+                  <a:srgbClr val="000000"/>
+                </a:solidFill>
+                <a:effectLst/>
+                <a:uFillTx/>
+                <a:latin typeface="+mn-lt"/>
+                <a:ea typeface="宋体" panose="02010600030101010101" pitchFamily="2" charset="-122"/>
+                <a:cs typeface="+mn-cs"/>
+                <a:sym typeface="Calibri" panose="020F0502020204030204"/>
+              </a:rPr>
+              <a:t>热更新</a:t>
+            </a:r>
+            <a:endParaRPr kumimoji="0" lang="zh-CN" altLang="en-US" sz="3600" b="0" i="0" u="none" strike="noStrike" cap="none" spc="0" normalizeH="0" baseline="0">
+              <a:ln>
+                <a:noFill/>
+              </a:ln>
+              <a:solidFill>
+                <a:srgbClr val="000000"/>
+              </a:solidFill>
+              <a:effectLst/>
+              <a:uFillTx/>
+              <a:latin typeface="+mn-lt"/>
+              <a:ea typeface="宋体" panose="02010600030101010101" pitchFamily="2" charset="-122"/>
+              <a:cs typeface="+mn-cs"/>
+              <a:sym typeface="Calibri" panose="020F0502020204030204"/>
+            </a:endParaRPr>
+          </a:p>
+          <a:p>
+            <a:pPr marL="0" marR="0" indent="0" algn="l" defTabSz="914400" rtl="0" fontAlgn="auto" latinLnBrk="0" hangingPunct="0">
+              <a:lnSpc>
+                <a:spcPct val="100000"/>
+              </a:lnSpc>
+              <a:spcBef>
+                <a:spcPts val="0"/>
+              </a:spcBef>
+              <a:spcAft>
+                <a:spcPts val="0"/>
+              </a:spcAft>
+              <a:buClrTx/>
+              <a:buSzTx/>
+              <a:buFontTx/>
+              <a:buNone/>
+            </a:pPr>
+            <a:r>
+              <a:rPr kumimoji="0" lang="en-US" altLang="zh-CN" sz="3600" b="0" i="0" u="none" strike="noStrike" cap="none" spc="0" normalizeH="0" baseline="0">
+                <a:ln>
+                  <a:noFill/>
+                </a:ln>
+                <a:solidFill>
+                  <a:srgbClr val="000000"/>
+                </a:solidFill>
+                <a:effectLst/>
+                <a:uFillTx/>
+                <a:latin typeface="+mn-lt"/>
+                <a:ea typeface="宋体" panose="02010600030101010101" pitchFamily="2" charset="-122"/>
+                <a:cs typeface="+mn-cs"/>
+                <a:sym typeface="Calibri" panose="020F0502020204030204"/>
+              </a:rPr>
+              <a:t>	2. proxy</a:t>
+            </a:r>
+            <a:endParaRPr kumimoji="0" lang="en-US" altLang="zh-CN" sz="3600" b="0" i="0" u="none" strike="noStrike" cap="none" spc="0" normalizeH="0" baseline="0">
+              <a:ln>
+                <a:noFill/>
+              </a:ln>
+              <a:solidFill>
+                <a:srgbClr val="000000"/>
+              </a:solidFill>
+              <a:effectLst/>
+              <a:uFillTx/>
+              <a:latin typeface="+mn-lt"/>
+              <a:ea typeface="宋体" panose="02010600030101010101" pitchFamily="2" charset="-122"/>
+              <a:cs typeface="+mn-cs"/>
+              <a:sym typeface="Calibri" panose="020F0502020204030204"/>
+            </a:endParaRPr>
+          </a:p>
+          <a:p>
+            <a:pPr marL="0" marR="0" indent="0" algn="l" defTabSz="914400" rtl="0" fontAlgn="auto" latinLnBrk="0" hangingPunct="0">
+              <a:lnSpc>
+                <a:spcPct val="100000"/>
+              </a:lnSpc>
+              <a:spcBef>
+                <a:spcPts val="0"/>
+              </a:spcBef>
+              <a:spcAft>
+                <a:spcPts val="0"/>
+              </a:spcAft>
+              <a:buClrTx/>
+              <a:buSzTx/>
+              <a:buFontTx/>
+              <a:buNone/>
+            </a:pPr>
+            <a:r>
+              <a:rPr kumimoji="0" lang="en-US" altLang="zh-CN" sz="3600" b="0" i="0" u="none" strike="noStrike" cap="none" spc="0" normalizeH="0" baseline="0">
+                <a:ln>
+                  <a:noFill/>
+                </a:ln>
+                <a:solidFill>
+                  <a:srgbClr val="000000"/>
+                </a:solidFill>
+                <a:effectLst/>
+                <a:uFillTx/>
+                <a:latin typeface="+mn-lt"/>
+                <a:ea typeface="宋体" panose="02010600030101010101" pitchFamily="2" charset="-122"/>
+                <a:cs typeface="+mn-cs"/>
+                <a:sym typeface="Calibri" panose="020F0502020204030204"/>
+              </a:rPr>
+              <a:t>	3. middleware  </a:t>
+            </a:r>
+            <a:r>
+              <a:rPr kumimoji="0" lang="zh-CN" altLang="en-US" sz="3600" b="0" i="0" u="none" strike="noStrike" cap="none" spc="0" normalizeH="0" baseline="0">
+                <a:ln>
+                  <a:noFill/>
+                </a:ln>
+                <a:solidFill>
+                  <a:srgbClr val="000000"/>
+                </a:solidFill>
+                <a:effectLst/>
+                <a:uFillTx/>
+                <a:latin typeface="+mn-lt"/>
+                <a:ea typeface="宋体" panose="02010600030101010101" pitchFamily="2" charset="-122"/>
+                <a:cs typeface="+mn-cs"/>
+                <a:sym typeface="Calibri" panose="020F0502020204030204"/>
+              </a:rPr>
+              <a:t>同构项目不能用</a:t>
+            </a:r>
+            <a:r>
+              <a:rPr kumimoji="0" lang="en-US" altLang="zh-CN" sz="3600" b="0" i="0" u="none" strike="noStrike" cap="none" spc="0" normalizeH="0" baseline="0">
+                <a:ln>
+                  <a:noFill/>
+                </a:ln>
+                <a:solidFill>
+                  <a:srgbClr val="000000"/>
+                </a:solidFill>
+                <a:effectLst/>
+                <a:uFillTx/>
+                <a:latin typeface="+mn-lt"/>
+                <a:ea typeface="宋体" panose="02010600030101010101" pitchFamily="2" charset="-122"/>
+                <a:cs typeface="+mn-cs"/>
+                <a:sym typeface="Calibri" panose="020F0502020204030204"/>
+              </a:rPr>
+              <a:t>devserver</a:t>
+            </a:r>
+            <a:r>
+              <a:rPr kumimoji="0" lang="zh-CN" altLang="en-US" sz="3600" b="0" i="0" u="none" strike="noStrike" cap="none" spc="0" normalizeH="0" baseline="0">
+                <a:ln>
+                  <a:noFill/>
+                </a:ln>
+                <a:solidFill>
+                  <a:srgbClr val="000000"/>
+                </a:solidFill>
+                <a:effectLst/>
+                <a:uFillTx/>
+                <a:latin typeface="+mn-lt"/>
+                <a:ea typeface="宋体" panose="02010600030101010101" pitchFamily="2" charset="-122"/>
+                <a:cs typeface="+mn-cs"/>
+                <a:sym typeface="Calibri" panose="020F0502020204030204"/>
+              </a:rPr>
+              <a:t>，其他</a:t>
+            </a:r>
+            <a:r>
+              <a:rPr kumimoji="0" lang="en-US" altLang="zh-CN" sz="3600" b="0" i="0" u="none" strike="noStrike" cap="none" spc="0" normalizeH="0" baseline="0">
+                <a:ln>
+                  <a:noFill/>
+                </a:ln>
+                <a:solidFill>
+                  <a:srgbClr val="000000"/>
+                </a:solidFill>
+                <a:effectLst/>
+                <a:uFillTx/>
+                <a:latin typeface="+mn-lt"/>
+                <a:ea typeface="宋体" panose="02010600030101010101" pitchFamily="2" charset="-122"/>
+                <a:cs typeface="+mn-cs"/>
+                <a:sym typeface="Calibri" panose="020F0502020204030204"/>
+              </a:rPr>
+              <a:t>server+webpack</a:t>
+            </a:r>
+            <a:endParaRPr kumimoji="0" lang="en-US" altLang="zh-CN" sz="3600" b="0" i="0" u="none" strike="noStrike" cap="none" spc="0" normalizeH="0" baseline="0">
+              <a:ln>
+                <a:noFill/>
+              </a:ln>
+              <a:solidFill>
+                <a:srgbClr val="000000"/>
+              </a:solidFill>
+              <a:effectLst/>
+              <a:uFillTx/>
+              <a:latin typeface="+mn-lt"/>
+              <a:ea typeface="宋体" panose="02010600030101010101" pitchFamily="2" charset="-122"/>
+              <a:cs typeface="+mn-cs"/>
+              <a:sym typeface="Calibri" panose="020F0502020204030204"/>
+            </a:endParaRPr>
+          </a:p>
+          <a:p>
+            <a:pPr marL="0" marR="0" indent="0" algn="l" defTabSz="914400" rtl="0" fontAlgn="auto" latinLnBrk="0" hangingPunct="0">
+              <a:lnSpc>
+                <a:spcPct val="100000"/>
+              </a:lnSpc>
+              <a:spcBef>
+                <a:spcPts val="0"/>
+              </a:spcBef>
+              <a:spcAft>
+                <a:spcPts val="0"/>
+              </a:spcAft>
+              <a:buClrTx/>
+              <a:buSzTx/>
+              <a:buFontTx/>
+              <a:buNone/>
+            </a:pPr>
+            <a:r>
+              <a:rPr kumimoji="0" lang="en-US" altLang="zh-CN" sz="3600" b="0" i="0" u="none" strike="noStrike" cap="none" spc="0" normalizeH="0" baseline="0">
+                <a:ln>
+                  <a:noFill/>
+                </a:ln>
+                <a:solidFill>
+                  <a:srgbClr val="000000"/>
+                </a:solidFill>
+                <a:effectLst/>
+                <a:uFillTx/>
+                <a:latin typeface="+mn-lt"/>
+                <a:ea typeface="宋体" panose="02010600030101010101" pitchFamily="2" charset="-122"/>
+                <a:cs typeface="+mn-cs"/>
+                <a:sym typeface="Calibri" panose="020F0502020204030204"/>
+              </a:rPr>
+              <a:t>	4. markdown </a:t>
+            </a:r>
+            <a:r>
+              <a:rPr kumimoji="0" lang="zh-CN" altLang="en-US" sz="3600" b="0" i="0" u="none" strike="noStrike" cap="none" spc="0" normalizeH="0" baseline="0">
+                <a:ln>
+                  <a:noFill/>
+                </a:ln>
+                <a:solidFill>
+                  <a:srgbClr val="000000"/>
+                </a:solidFill>
+                <a:effectLst/>
+                <a:uFillTx/>
+                <a:latin typeface="+mn-lt"/>
+                <a:ea typeface="宋体" panose="02010600030101010101" pitchFamily="2" charset="-122"/>
+                <a:cs typeface="+mn-cs"/>
+                <a:sym typeface="Calibri" panose="020F0502020204030204"/>
+              </a:rPr>
+              <a:t>语法高亮</a:t>
             </a:r>
             <a:endParaRPr kumimoji="0" lang="zh-CN" altLang="en-US" sz="3600" b="0" i="0" u="none" strike="noStrike" cap="none" spc="0" normalizeH="0" baseline="0">
               <a:ln>
@@ -12709,8 +13150,8 @@
         </p:nvSpPr>
         <p:spPr>
           <a:xfrm>
-            <a:off x="4041775" y="1709420"/>
-            <a:ext cx="3924300" cy="643890"/>
+            <a:off x="4400550" y="1709420"/>
+            <a:ext cx="3009900" cy="643890"/>
           </a:xfrm>
           <a:prstGeom prst="rect">
             <a:avLst/>
@@ -12757,7 +13198,7 @@
               <a:rPr lang="zh-CN" altLang="en-US" sz="3600" dirty="0">
                 <a:sym typeface="+mn-ea"/>
               </a:rPr>
-              <a:t>依赖的所有 </a:t>
+              <a:t>依赖的 </a:t>
             </a:r>
             <a:r>
               <a:rPr lang="en-US" altLang="zh-CN" sz="3600" dirty="0">
@@ -13310,7 +13751,7 @@
         </p:nvSpPr>
         <p:spPr>
           <a:xfrm>
-            <a:off x="8009255" y="1923415"/>
+            <a:off x="7745730" y="1923415"/>
             <a:ext cx="791845" cy="215900"/>
           </a:xfrm>
           <a:prstGeom prst="rightArrow">
@@ -13684,6 +14125,30 @@
           </a:p>
         </p:txBody>
       </p:sp>
+      <p:pic>
+        <p:nvPicPr>
+          <p:cNvPr id="18" name="图片 17"/>
+          <p:cNvPicPr>
+            <a:picLocks noChangeAspect="1"/>
+          </p:cNvPicPr>
+          <p:nvPr/>
+        </p:nvPicPr>
+        <p:blipFill>
+          <a:blip r:embed="rId3"/>
+          <a:stretch>
+            <a:fillRect/>
+          </a:stretch>
+        </p:blipFill>
+        <p:spPr>
+          <a:xfrm>
+            <a:off x="1076325" y="85090"/>
+            <a:ext cx="10142855" cy="6200140"/>
+          </a:xfrm>
+          <a:prstGeom prst="rect">
+            <a:avLst/>
+          </a:prstGeom>
+        </p:spPr>
+      </p:pic>
     </p:spTree>
   </p:cSld>
   <p:clrMapOvr>
@@ -13761,6 +14226,97 @@
                                         <p:cTn id="8" dur="500" fill="hold"/>
                                         <p:tgtEl>
                                           <p:spTgt spid="174"/>
+                                        </p:tgtEl>
+                                        <p:attrNameLst>
+                                          <p:attrName>ppt_y</p:attrName>
+                                        </p:attrNameLst>
+                                      </p:cBhvr>
+                                      <p:tavLst>
+                                        <p:tav tm="0">
+                                          <p:val>
+                                            <p:strVal val="1+#ppt_h/2"/>
+                                          </p:val>
+                                        </p:tav>
+                                        <p:tav tm="100000">
+                                          <p:val>
+                                            <p:strVal val="#ppt_y"/>
+                                          </p:val>
+                                        </p:tav>
+                                      </p:tavLst>
+                                    </p:anim>
+                                  </p:childTnLst>
+                                </p:cTn>
+                              </p:par>
+                            </p:childTnLst>
+                          </p:cTn>
+                        </p:par>
+                      </p:childTnLst>
+                    </p:cTn>
+                  </p:par>
+                  <p:par>
+                    <p:cTn id="9" fill="hold">
+                      <p:stCondLst>
+                        <p:cond delay="indefinite"/>
+                      </p:stCondLst>
+                      <p:childTnLst>
+                        <p:par>
+                          <p:cTn id="10" fill="hold">
+                            <p:stCondLst>
+                              <p:cond delay="0"/>
+                            </p:stCondLst>
+                            <p:childTnLst>
+                              <p:par>
+                                <p:cTn id="11" presetID="2" presetClass="entr" presetSubtype="4" fill="hold" nodeType="clickEffect">
+                                  <p:stCondLst>
+                                    <p:cond delay="0"/>
+                                  </p:stCondLst>
+                                  <p:childTnLst>
+                                    <p:set>
+                                      <p:cBhvr>
+                                        <p:cTn id="12" dur="1" fill="hold">
+                                          <p:stCondLst>
+                                            <p:cond delay="0"/>
+                                          </p:stCondLst>
+                                        </p:cTn>
+                                        <p:tgtEl>
+                                          <p:spTgt spid="18"/>
+                                        </p:tgtEl>
+                                        <p:attrNameLst>
+                                          <p:attrName>style.visibility</p:attrName>
+                                        </p:attrNameLst>
+                                      </p:cBhvr>
+                                      <p:to>
+                                        <p:strVal val="visible"/>
+                                      </p:to>
+                                    </p:set>
+                                    <p:anim calcmode="lin" valueType="num">
+                                      <p:cBhvr additive="base">
+                                        <p:cTn id="13" dur="500" fill="hold"/>
+                                        <p:tgtEl>
+                                          <p:spTgt spid="18"/>
+                                        </p:tgtEl>
+                                        <p:attrNameLst>
+                                          <p:attrName>ppt_x</p:attrName>
+                                        </p:attrNameLst>
+                                      </p:cBhvr>
+                                      <p:tavLst>
+                                        <p:tav tm="0">
+                                          <p:val>
+                                            <p:strVal val="#ppt_x"/>
+                                          </p:val>
+                                        </p:tav>
+                                        <p:tav tm="100000">
+                                          <p:val>
+                                            <p:strVal val="#ppt_x"/>
+                                          </p:val>
+                                        </p:tav>
+                                      </p:tavLst>
+                                    </p:anim>
+                                    <p:anim calcmode="lin" valueType="num">
+                                      <p:cBhvr additive="base">
+                                        <p:cTn id="14" dur="500" fill="hold"/>
+                                        <p:tgtEl>
+                                          <p:spTgt spid="18"/>
                                         </p:tgtEl>
                                         <p:attrNameLst>
                                           <p:attrName>ppt_y</p:attrName>
@@ -15870,7 +16426,7 @@
                 <a:cs typeface="+mn-cs"/>
                 <a:sym typeface="Calibri" panose="020F0502020204030204"/>
               </a:rPr>
-              <a:t>babel-loader, babel-preset-env,babel-preset-react</a:t>
+              <a:t>babel-loader, @babel/preset-env,@babel/preset-react</a:t>
             </a:r>
             <a:endParaRPr kumimoji="0" lang="zh-CN" altLang="en-US" sz="4000" b="0" i="0" u="none" strike="noStrike" cap="none" spc="0" normalizeH="0" baseline="0">
               <a:ln>

--- a/Webpack4-从零开始搭建React项目.pptx
+++ b/Webpack4-从零开始搭建React项目.pptx
@@ -6513,7 +6513,7 @@
         </p:nvSpPr>
         <p:spPr>
           <a:xfrm>
-            <a:off x="-3811" y="6085840"/>
+            <a:off x="-4446" y="6085840"/>
             <a:ext cx="12200257" cy="789306"/>
           </a:xfrm>
           <a:prstGeom prst="rect">
@@ -6849,14 +6849,14 @@
       </p:pic>
       <p:sp>
         <p:nvSpPr>
-          <p:cNvPr id="4" name="文本框 3"/>
+          <p:cNvPr id="3" name="文本框 2"/>
           <p:cNvSpPr txBox="1"/>
           <p:nvPr/>
         </p:nvSpPr>
         <p:spPr>
           <a:xfrm>
-            <a:off x="2698750" y="2096770"/>
-            <a:ext cx="1918970" cy="643890"/>
+            <a:off x="1816735" y="3107055"/>
+            <a:ext cx="2833370" cy="643890"/>
           </a:xfrm>
           <a:prstGeom prst="rect">
             <a:avLst/>
@@ -6900,12 +6900,13 @@
               <a:buNone/>
             </a:pPr>
             <a:r>
-              <a:rPr lang="zh-CN" altLang="en-US" sz="3600">
+              <a:rPr lang="zh-CN" sz="3600">
+                <a:ea typeface="宋体" panose="02010600030101010101" pitchFamily="2" charset="-122"/>
                 <a:sym typeface="Calibri" panose="020F0502020204030204"/>
               </a:rPr>
-              <a:t>代码压缩</a:t>
-            </a:r>
-            <a:endParaRPr kumimoji="0" lang="zh-CN" altLang="en-US" sz="3600" b="0" i="0" u="none" strike="noStrike" cap="none" spc="0" normalizeH="0" baseline="0">
+              <a:t>加快构建速度</a:t>
+            </a:r>
+            <a:endParaRPr kumimoji="0" lang="zh-CN" sz="3600" b="0" i="0" u="none" strike="noStrike" cap="none" spc="0" normalizeH="0" baseline="0">
               <a:ln>
                 <a:noFill/>
               </a:ln>
@@ -6915,7 +6916,7 @@
               <a:effectLst/>
               <a:uFillTx/>
               <a:latin typeface="+mn-lt"/>
-              <a:ea typeface="+mn-ea"/>
+              <a:ea typeface="宋体" panose="02010600030101010101" pitchFamily="2" charset="-122"/>
               <a:cs typeface="+mn-cs"/>
               <a:sym typeface="Calibri" panose="020F0502020204030204"/>
             </a:endParaRPr>
@@ -6924,14 +6925,14 @@
       </p:sp>
       <p:sp>
         <p:nvSpPr>
-          <p:cNvPr id="5" name="文本框 4"/>
+          <p:cNvPr id="7" name="文本框 6"/>
           <p:cNvSpPr txBox="1"/>
           <p:nvPr/>
         </p:nvSpPr>
         <p:spPr>
           <a:xfrm>
-            <a:off x="2698750" y="3601720"/>
-            <a:ext cx="1918970" cy="643890"/>
+            <a:off x="3977640" y="1709420"/>
+            <a:ext cx="2376170" cy="643890"/>
           </a:xfrm>
           <a:prstGeom prst="rect">
             <a:avLst/>
@@ -6975,12 +6976,13 @@
               <a:buNone/>
             </a:pPr>
             <a:r>
-              <a:rPr lang="zh-CN" altLang="en-US" sz="3600">
+              <a:rPr lang="zh-CN" sz="3600">
+                <a:ea typeface="宋体" panose="02010600030101010101" pitchFamily="2" charset="-122"/>
                 <a:sym typeface="Calibri" panose="020F0502020204030204"/>
               </a:rPr>
-              <a:t>无用代码</a:t>
-            </a:r>
-            <a:endParaRPr kumimoji="0" lang="zh-CN" altLang="en-US" sz="3600" b="0" i="0" u="none" strike="noStrike" cap="none" spc="0" normalizeH="0" baseline="0">
+              <a:t>减小包大小</a:t>
+            </a:r>
+            <a:endParaRPr kumimoji="0" lang="zh-CN" sz="3600" b="0" i="0" u="none" strike="noStrike" cap="none" spc="0" normalizeH="0" baseline="0">
               <a:ln>
                 <a:noFill/>
               </a:ln>
@@ -6999,14 +7001,14 @@
       </p:sp>
       <p:sp>
         <p:nvSpPr>
-          <p:cNvPr id="6" name="文本框 5"/>
+          <p:cNvPr id="9" name="文本框 8"/>
           <p:cNvSpPr txBox="1"/>
           <p:nvPr/>
         </p:nvSpPr>
         <p:spPr>
           <a:xfrm>
-            <a:off x="5858510" y="2096770"/>
-            <a:ext cx="1918970" cy="643890"/>
+            <a:off x="6123305" y="3107055"/>
+            <a:ext cx="2833370" cy="643890"/>
           </a:xfrm>
           <a:prstGeom prst="rect">
             <a:avLst/>
@@ -7054,492 +7056,9 @@
                 <a:ea typeface="宋体" panose="02010600030101010101" pitchFamily="2" charset="-122"/>
                 <a:sym typeface="Calibri" panose="020F0502020204030204"/>
               </a:rPr>
-              <a:t>公共代码</a:t>
+              <a:t>加快访问速度</a:t>
             </a:r>
             <a:endParaRPr kumimoji="0" lang="zh-CN" sz="3600" b="0" i="0" u="none" strike="noStrike" cap="none" spc="0" normalizeH="0" baseline="0">
-              <a:ln>
-                <a:noFill/>
-              </a:ln>
-              <a:solidFill>
-                <a:srgbClr val="000000"/>
-              </a:solidFill>
-              <a:effectLst/>
-              <a:uFillTx/>
-              <a:latin typeface="+mn-lt"/>
-              <a:ea typeface="宋体" panose="02010600030101010101" pitchFamily="2" charset="-122"/>
-              <a:cs typeface="+mn-cs"/>
-              <a:sym typeface="Calibri" panose="020F0502020204030204"/>
-            </a:endParaRPr>
-          </a:p>
-        </p:txBody>
-      </p:sp>
-      <p:sp>
-        <p:nvSpPr>
-          <p:cNvPr id="8" name="文本框 7"/>
-          <p:cNvSpPr txBox="1"/>
-          <p:nvPr/>
-        </p:nvSpPr>
-        <p:spPr>
-          <a:xfrm>
-            <a:off x="6064250" y="3601720"/>
-            <a:ext cx="1882775" cy="643890"/>
-          </a:xfrm>
-          <a:prstGeom prst="rect">
-            <a:avLst/>
-          </a:prstGeom>
-          <a:noFill/>
-          <a:ln w="12700" cap="flat">
-            <a:noFill/>
-            <a:miter lim="400000"/>
-          </a:ln>
-        </p:spPr>
-        <p:style>
-          <a:lnRef idx="0">
-            <a:srgbClr val="FFFFFF"/>
-          </a:lnRef>
-          <a:fillRef idx="0">
-            <a:srgbClr val="FFFFFF"/>
-          </a:fillRef>
-          <a:effectRef idx="0">
-            <a:srgbClr val="FFFFFF"/>
-          </a:effectRef>
-          <a:fontRef idx="none"/>
-        </p:style>
-        <p:txBody>
-          <a:bodyPr rot="0" vertOverflow="overflow" horzOverflow="overflow" vert="horz" wrap="none" lIns="45719" tIns="45719" rIns="45719" bIns="45719" numCol="1" spcCol="38100" rtlCol="0" anchor="t" forceAA="0">
-            <a:spAutoFit/>
-          </a:bodyPr>
-          <a:p>
-            <a:pPr marL="0" marR="0" indent="0" algn="l" defTabSz="914400" rtl="0" fontAlgn="auto" latinLnBrk="0" hangingPunct="0">
-              <a:lnSpc>
-                <a:spcPct val="100000"/>
-              </a:lnSpc>
-              <a:spcBef>
-                <a:spcPts val="0"/>
-              </a:spcBef>
-              <a:spcAft>
-                <a:spcPts val="0"/>
-              </a:spcAft>
-              <a:buClrTx/>
-              <a:buSzTx/>
-              <a:buFontTx/>
-              <a:buNone/>
-            </a:pPr>
-            <a:r>
-              <a:rPr kumimoji="0" lang="en-US" altLang="zh-CN" sz="3600" b="0" i="0" u="none" strike="noStrike" cap="none" spc="0" normalizeH="0" baseline="0">
-                <a:ln>
-                  <a:noFill/>
-                </a:ln>
-                <a:solidFill>
-                  <a:srgbClr val="000000"/>
-                </a:solidFill>
-                <a:effectLst/>
-                <a:uFillTx/>
-                <a:latin typeface="+mn-lt"/>
-                <a:ea typeface="宋体" panose="02010600030101010101" pitchFamily="2" charset="-122"/>
-                <a:cs typeface="+mn-cs"/>
-                <a:sym typeface="Calibri" panose="020F0502020204030204"/>
-              </a:rPr>
-              <a:t>hash</a:t>
-            </a:r>
-            <a:r>
-              <a:rPr kumimoji="0" lang="zh-CN" altLang="en-US" sz="3600" b="0" i="0" u="none" strike="noStrike" cap="none" spc="0" normalizeH="0" baseline="0">
-                <a:ln>
-                  <a:noFill/>
-                </a:ln>
-                <a:solidFill>
-                  <a:srgbClr val="000000"/>
-                </a:solidFill>
-                <a:effectLst/>
-                <a:uFillTx/>
-                <a:latin typeface="+mn-lt"/>
-                <a:ea typeface="宋体" panose="02010600030101010101" pitchFamily="2" charset="-122"/>
-                <a:cs typeface="+mn-cs"/>
-                <a:sym typeface="Calibri" panose="020F0502020204030204"/>
-              </a:rPr>
-              <a:t>缓存</a:t>
-            </a:r>
-            <a:endParaRPr kumimoji="0" lang="zh-CN" altLang="en-US" sz="3600" b="0" i="0" u="none" strike="noStrike" cap="none" spc="0" normalizeH="0" baseline="0">
-              <a:ln>
-                <a:noFill/>
-              </a:ln>
-              <a:solidFill>
-                <a:srgbClr val="000000"/>
-              </a:solidFill>
-              <a:effectLst/>
-              <a:uFillTx/>
-              <a:latin typeface="+mn-lt"/>
-              <a:ea typeface="宋体" panose="02010600030101010101" pitchFamily="2" charset="-122"/>
-              <a:cs typeface="+mn-cs"/>
-              <a:sym typeface="Calibri" panose="020F0502020204030204"/>
-            </a:endParaRPr>
-          </a:p>
-        </p:txBody>
-      </p:sp>
-      <p:sp>
-        <p:nvSpPr>
-          <p:cNvPr id="2" name="文本框 1"/>
-          <p:cNvSpPr txBox="1"/>
-          <p:nvPr/>
-        </p:nvSpPr>
-        <p:spPr>
-          <a:xfrm>
-            <a:off x="156210" y="3843020"/>
-            <a:ext cx="13322935" cy="2860040"/>
-          </a:xfrm>
-          <a:prstGeom prst="rect">
-            <a:avLst/>
-          </a:prstGeom>
-          <a:noFill/>
-          <a:ln w="12700" cap="flat">
-            <a:noFill/>
-            <a:miter lim="400000"/>
-          </a:ln>
-        </p:spPr>
-        <p:style>
-          <a:lnRef idx="0">
-            <a:srgbClr val="FFFFFF"/>
-          </a:lnRef>
-          <a:fillRef idx="0">
-            <a:srgbClr val="FFFFFF"/>
-          </a:fillRef>
-          <a:effectRef idx="0">
-            <a:srgbClr val="FFFFFF"/>
-          </a:effectRef>
-          <a:fontRef idx="none"/>
-        </p:style>
-        <p:txBody>
-          <a:bodyPr rot="0" vertOverflow="overflow" horzOverflow="overflow" vert="horz" wrap="none" lIns="45719" tIns="45719" rIns="45719" bIns="45719" numCol="1" spcCol="38100" rtlCol="0" anchor="t" forceAA="0">
-            <a:spAutoFit/>
-          </a:bodyPr>
-          <a:p>
-            <a:pPr marL="0" marR="0" indent="0" algn="l" defTabSz="914400" rtl="0" fontAlgn="auto" latinLnBrk="0" hangingPunct="0">
-              <a:lnSpc>
-                <a:spcPct val="100000"/>
-              </a:lnSpc>
-              <a:spcBef>
-                <a:spcPts val="0"/>
-              </a:spcBef>
-              <a:spcAft>
-                <a:spcPts val="0"/>
-              </a:spcAft>
-              <a:buClrTx/>
-              <a:buSzTx/>
-              <a:buFontTx/>
-              <a:buNone/>
-            </a:pPr>
-            <a:r>
-              <a:rPr kumimoji="0" lang="zh-CN" altLang="en-US" sz="3600" b="0" i="0" u="none" strike="noStrike" cap="none" spc="0" normalizeH="0" baseline="0">
-                <a:ln>
-                  <a:noFill/>
-                </a:ln>
-                <a:solidFill>
-                  <a:srgbClr val="000000"/>
-                </a:solidFill>
-                <a:effectLst/>
-                <a:uFillTx/>
-                <a:latin typeface="+mn-lt"/>
-                <a:ea typeface="宋体" panose="02010600030101010101" pitchFamily="2" charset="-122"/>
-                <a:cs typeface="+mn-cs"/>
-                <a:sym typeface="Calibri" panose="020F0502020204030204"/>
-              </a:rPr>
-              <a:t>遗留问题：</a:t>
-            </a:r>
-            <a:endParaRPr kumimoji="0" lang="zh-CN" altLang="en-US" sz="3600" b="0" i="0" u="none" strike="noStrike" cap="none" spc="0" normalizeH="0" baseline="0">
-              <a:ln>
-                <a:noFill/>
-              </a:ln>
-              <a:solidFill>
-                <a:srgbClr val="000000"/>
-              </a:solidFill>
-              <a:effectLst/>
-              <a:uFillTx/>
-              <a:latin typeface="+mn-lt"/>
-              <a:ea typeface="宋体" panose="02010600030101010101" pitchFamily="2" charset="-122"/>
-              <a:cs typeface="+mn-cs"/>
-              <a:sym typeface="Calibri" panose="020F0502020204030204"/>
-            </a:endParaRPr>
-          </a:p>
-          <a:p>
-            <a:pPr marL="0" marR="0" indent="0" algn="l" defTabSz="914400" rtl="0" fontAlgn="auto" latinLnBrk="0" hangingPunct="0">
-              <a:lnSpc>
-                <a:spcPct val="100000"/>
-              </a:lnSpc>
-              <a:spcBef>
-                <a:spcPts val="0"/>
-              </a:spcBef>
-              <a:spcAft>
-                <a:spcPts val="0"/>
-              </a:spcAft>
-              <a:buClrTx/>
-              <a:buSzTx/>
-              <a:buFontTx/>
-              <a:buNone/>
-            </a:pPr>
-            <a:r>
-              <a:rPr kumimoji="0" lang="en-US" altLang="zh-CN" sz="3600" b="0" i="0" u="none" strike="noStrike" cap="none" spc="0" normalizeH="0" baseline="0">
-                <a:ln>
-                  <a:noFill/>
-                </a:ln>
-                <a:solidFill>
-                  <a:srgbClr val="000000"/>
-                </a:solidFill>
-                <a:effectLst/>
-                <a:uFillTx/>
-                <a:latin typeface="+mn-lt"/>
-                <a:ea typeface="宋体" panose="02010600030101010101" pitchFamily="2" charset="-122"/>
-                <a:cs typeface="+mn-cs"/>
-                <a:sym typeface="Calibri" panose="020F0502020204030204"/>
-              </a:rPr>
-              <a:t>	1. </a:t>
-            </a:r>
-            <a:r>
-              <a:rPr kumimoji="0" lang="zh-CN" altLang="en-US" sz="3600" b="0" i="0" u="none" strike="noStrike" cap="none" spc="0" normalizeH="0" baseline="0">
-                <a:ln>
-                  <a:noFill/>
-                </a:ln>
-                <a:solidFill>
-                  <a:srgbClr val="000000"/>
-                </a:solidFill>
-                <a:effectLst/>
-                <a:uFillTx/>
-                <a:latin typeface="+mn-lt"/>
-                <a:ea typeface="宋体" panose="02010600030101010101" pitchFamily="2" charset="-122"/>
-                <a:cs typeface="+mn-cs"/>
-                <a:sym typeface="Calibri" panose="020F0502020204030204"/>
-              </a:rPr>
-              <a:t>热更新</a:t>
-            </a:r>
-            <a:endParaRPr kumimoji="0" lang="zh-CN" altLang="en-US" sz="3600" b="0" i="0" u="none" strike="noStrike" cap="none" spc="0" normalizeH="0" baseline="0">
-              <a:ln>
-                <a:noFill/>
-              </a:ln>
-              <a:solidFill>
-                <a:srgbClr val="000000"/>
-              </a:solidFill>
-              <a:effectLst/>
-              <a:uFillTx/>
-              <a:latin typeface="+mn-lt"/>
-              <a:ea typeface="宋体" panose="02010600030101010101" pitchFamily="2" charset="-122"/>
-              <a:cs typeface="+mn-cs"/>
-              <a:sym typeface="Calibri" panose="020F0502020204030204"/>
-            </a:endParaRPr>
-          </a:p>
-          <a:p>
-            <a:pPr marL="0" marR="0" indent="0" algn="l" defTabSz="914400" rtl="0" fontAlgn="auto" latinLnBrk="0" hangingPunct="0">
-              <a:lnSpc>
-                <a:spcPct val="100000"/>
-              </a:lnSpc>
-              <a:spcBef>
-                <a:spcPts val="0"/>
-              </a:spcBef>
-              <a:spcAft>
-                <a:spcPts val="0"/>
-              </a:spcAft>
-              <a:buClrTx/>
-              <a:buSzTx/>
-              <a:buFontTx/>
-              <a:buNone/>
-            </a:pPr>
-            <a:r>
-              <a:rPr kumimoji="0" lang="en-US" altLang="zh-CN" sz="3600" b="0" i="0" u="none" strike="noStrike" cap="none" spc="0" normalizeH="0" baseline="0">
-                <a:ln>
-                  <a:noFill/>
-                </a:ln>
-                <a:solidFill>
-                  <a:srgbClr val="000000"/>
-                </a:solidFill>
-                <a:effectLst/>
-                <a:uFillTx/>
-                <a:latin typeface="+mn-lt"/>
-                <a:ea typeface="宋体" panose="02010600030101010101" pitchFamily="2" charset="-122"/>
-                <a:cs typeface="+mn-cs"/>
-                <a:sym typeface="Calibri" panose="020F0502020204030204"/>
-              </a:rPr>
-              <a:t>	2. proxy</a:t>
-            </a:r>
-            <a:endParaRPr kumimoji="0" lang="en-US" altLang="zh-CN" sz="3600" b="0" i="0" u="none" strike="noStrike" cap="none" spc="0" normalizeH="0" baseline="0">
-              <a:ln>
-                <a:noFill/>
-              </a:ln>
-              <a:solidFill>
-                <a:srgbClr val="000000"/>
-              </a:solidFill>
-              <a:effectLst/>
-              <a:uFillTx/>
-              <a:latin typeface="+mn-lt"/>
-              <a:ea typeface="宋体" panose="02010600030101010101" pitchFamily="2" charset="-122"/>
-              <a:cs typeface="+mn-cs"/>
-              <a:sym typeface="Calibri" panose="020F0502020204030204"/>
-            </a:endParaRPr>
-          </a:p>
-          <a:p>
-            <a:pPr marL="0" marR="0" indent="0" algn="l" defTabSz="914400" rtl="0" fontAlgn="auto" latinLnBrk="0" hangingPunct="0">
-              <a:lnSpc>
-                <a:spcPct val="100000"/>
-              </a:lnSpc>
-              <a:spcBef>
-                <a:spcPts val="0"/>
-              </a:spcBef>
-              <a:spcAft>
-                <a:spcPts val="0"/>
-              </a:spcAft>
-              <a:buClrTx/>
-              <a:buSzTx/>
-              <a:buFontTx/>
-              <a:buNone/>
-            </a:pPr>
-            <a:r>
-              <a:rPr kumimoji="0" lang="en-US" altLang="zh-CN" sz="3600" b="0" i="0" u="none" strike="noStrike" cap="none" spc="0" normalizeH="0" baseline="0">
-                <a:ln>
-                  <a:noFill/>
-                </a:ln>
-                <a:solidFill>
-                  <a:srgbClr val="000000"/>
-                </a:solidFill>
-                <a:effectLst/>
-                <a:uFillTx/>
-                <a:latin typeface="+mn-lt"/>
-                <a:ea typeface="宋体" panose="02010600030101010101" pitchFamily="2" charset="-122"/>
-                <a:cs typeface="+mn-cs"/>
-                <a:sym typeface="Calibri" panose="020F0502020204030204"/>
-              </a:rPr>
-              <a:t>	3. middleware  </a:t>
-            </a:r>
-            <a:r>
-              <a:rPr kumimoji="0" lang="zh-CN" altLang="en-US" sz="3600" b="0" i="0" u="none" strike="noStrike" cap="none" spc="0" normalizeH="0" baseline="0">
-                <a:ln>
-                  <a:noFill/>
-                </a:ln>
-                <a:solidFill>
-                  <a:srgbClr val="000000"/>
-                </a:solidFill>
-                <a:effectLst/>
-                <a:uFillTx/>
-                <a:latin typeface="+mn-lt"/>
-                <a:ea typeface="宋体" panose="02010600030101010101" pitchFamily="2" charset="-122"/>
-                <a:cs typeface="+mn-cs"/>
-                <a:sym typeface="Calibri" panose="020F0502020204030204"/>
-              </a:rPr>
-              <a:t>同构项目不能用</a:t>
-            </a:r>
-            <a:r>
-              <a:rPr kumimoji="0" lang="en-US" altLang="zh-CN" sz="3600" b="0" i="0" u="none" strike="noStrike" cap="none" spc="0" normalizeH="0" baseline="0">
-                <a:ln>
-                  <a:noFill/>
-                </a:ln>
-                <a:solidFill>
-                  <a:srgbClr val="000000"/>
-                </a:solidFill>
-                <a:effectLst/>
-                <a:uFillTx/>
-                <a:latin typeface="+mn-lt"/>
-                <a:ea typeface="宋体" panose="02010600030101010101" pitchFamily="2" charset="-122"/>
-                <a:cs typeface="+mn-cs"/>
-                <a:sym typeface="Calibri" panose="020F0502020204030204"/>
-              </a:rPr>
-              <a:t>devserver</a:t>
-            </a:r>
-            <a:r>
-              <a:rPr kumimoji="0" lang="zh-CN" altLang="en-US" sz="3600" b="0" i="0" u="none" strike="noStrike" cap="none" spc="0" normalizeH="0" baseline="0">
-                <a:ln>
-                  <a:noFill/>
-                </a:ln>
-                <a:solidFill>
-                  <a:srgbClr val="000000"/>
-                </a:solidFill>
-                <a:effectLst/>
-                <a:uFillTx/>
-                <a:latin typeface="+mn-lt"/>
-                <a:ea typeface="宋体" panose="02010600030101010101" pitchFamily="2" charset="-122"/>
-                <a:cs typeface="+mn-cs"/>
-                <a:sym typeface="Calibri" panose="020F0502020204030204"/>
-              </a:rPr>
-              <a:t>，其他</a:t>
-            </a:r>
-            <a:r>
-              <a:rPr kumimoji="0" lang="en-US" altLang="zh-CN" sz="3600" b="0" i="0" u="none" strike="noStrike" cap="none" spc="0" normalizeH="0" baseline="0">
-                <a:ln>
-                  <a:noFill/>
-                </a:ln>
-                <a:solidFill>
-                  <a:srgbClr val="000000"/>
-                </a:solidFill>
-                <a:effectLst/>
-                <a:uFillTx/>
-                <a:latin typeface="+mn-lt"/>
-                <a:ea typeface="宋体" panose="02010600030101010101" pitchFamily="2" charset="-122"/>
-                <a:cs typeface="+mn-cs"/>
-                <a:sym typeface="Calibri" panose="020F0502020204030204"/>
-              </a:rPr>
-              <a:t>server+webpack</a:t>
-            </a:r>
-            <a:endParaRPr kumimoji="0" lang="en-US" altLang="zh-CN" sz="3600" b="0" i="0" u="none" strike="noStrike" cap="none" spc="0" normalizeH="0" baseline="0">
-              <a:ln>
-                <a:noFill/>
-              </a:ln>
-              <a:solidFill>
-                <a:srgbClr val="000000"/>
-              </a:solidFill>
-              <a:effectLst/>
-              <a:uFillTx/>
-              <a:latin typeface="+mn-lt"/>
-              <a:ea typeface="宋体" panose="02010600030101010101" pitchFamily="2" charset="-122"/>
-              <a:cs typeface="+mn-cs"/>
-              <a:sym typeface="Calibri" panose="020F0502020204030204"/>
-            </a:endParaRPr>
-          </a:p>
-          <a:p>
-            <a:pPr marL="0" marR="0" indent="0" algn="l" defTabSz="914400" rtl="0" fontAlgn="auto" latinLnBrk="0" hangingPunct="0">
-              <a:lnSpc>
-                <a:spcPct val="100000"/>
-              </a:lnSpc>
-              <a:spcBef>
-                <a:spcPts val="0"/>
-              </a:spcBef>
-              <a:spcAft>
-                <a:spcPts val="0"/>
-              </a:spcAft>
-              <a:buClrTx/>
-              <a:buSzTx/>
-              <a:buFontTx/>
-              <a:buNone/>
-            </a:pPr>
-            <a:r>
-              <a:rPr kumimoji="0" lang="en-US" altLang="zh-CN" sz="3600" b="0" i="0" u="none" strike="noStrike" cap="none" spc="0" normalizeH="0" baseline="0">
-                <a:ln>
-                  <a:noFill/>
-                </a:ln>
-                <a:solidFill>
-                  <a:srgbClr val="000000"/>
-                </a:solidFill>
-                <a:effectLst/>
-                <a:uFillTx/>
-                <a:latin typeface="+mn-lt"/>
-                <a:ea typeface="宋体" panose="02010600030101010101" pitchFamily="2" charset="-122"/>
-                <a:cs typeface="+mn-cs"/>
-                <a:sym typeface="Calibri" panose="020F0502020204030204"/>
-              </a:rPr>
-              <a:t>	4. markdown </a:t>
-            </a:r>
-            <a:r>
-              <a:rPr kumimoji="0" lang="zh-CN" altLang="en-US" sz="3600" b="0" i="0" u="none" strike="noStrike" cap="none" spc="0" normalizeH="0" baseline="0">
-                <a:ln>
-                  <a:noFill/>
-                </a:ln>
-                <a:solidFill>
-                  <a:srgbClr val="000000"/>
-                </a:solidFill>
-                <a:effectLst/>
-                <a:uFillTx/>
-                <a:latin typeface="+mn-lt"/>
-                <a:ea typeface="宋体" panose="02010600030101010101" pitchFamily="2" charset="-122"/>
-                <a:cs typeface="+mn-cs"/>
-                <a:sym typeface="Calibri" panose="020F0502020204030204"/>
-              </a:rPr>
-              <a:t>语法高亮</a:t>
-            </a:r>
-            <a:endParaRPr kumimoji="0" lang="zh-CN" altLang="en-US" sz="3600" b="0" i="0" u="none" strike="noStrike" cap="none" spc="0" normalizeH="0" baseline="0">
               <a:ln>
                 <a:noFill/>
               </a:ln>
@@ -8005,8 +7524,8 @@
         </p:nvSpPr>
         <p:spPr>
           <a:xfrm>
-            <a:off x="1041400" y="1657985"/>
-            <a:ext cx="10913110" cy="3413760"/>
+            <a:off x="1041400" y="1299210"/>
+            <a:ext cx="10913110" cy="5076190"/>
           </a:xfrm>
           <a:prstGeom prst="rect">
             <a:avLst/>
@@ -8050,7 +7569,7 @@
               <a:buNone/>
             </a:pPr>
             <a:r>
-              <a:rPr kumimoji="0" lang="zh-CN" altLang="en-US" sz="3600" b="0" i="0" u="none" strike="noStrike" cap="none" spc="0" normalizeH="0" baseline="0">
+              <a:rPr kumimoji="0" lang="zh-CN" altLang="en-US" sz="3200" b="0" i="0" u="none" strike="noStrike" cap="none" spc="0" normalizeH="0" baseline="0">
                 <a:ln>
                   <a:noFill/>
                 </a:ln>
@@ -8067,7 +7586,7 @@
               <a:t>1. 代码压缩</a:t>
             </a:r>
             <a:r>
-              <a:rPr kumimoji="0" lang="en-US" altLang="zh-CN" sz="3600" b="0" i="0" u="none" strike="noStrike" cap="none" spc="0" normalizeH="0" baseline="0">
+              <a:rPr kumimoji="0" lang="en-US" altLang="zh-CN" sz="3200" b="0" i="0" u="none" strike="noStrike" cap="none" spc="0" normalizeH="0" baseline="0">
                 <a:ln>
                   <a:noFill/>
                 </a:ln>
@@ -8084,7 +7603,7 @@
               <a:t>: </a:t>
             </a:r>
             <a:r>
-              <a:rPr kumimoji="0" lang="en-US" altLang="zh-CN" sz="2800" b="0" i="0" u="none" strike="noStrike" cap="none" spc="0" normalizeH="0" baseline="0">
+              <a:rPr kumimoji="0" lang="en-US" altLang="zh-CN" sz="2400" b="0" i="0" u="none" strike="noStrike" cap="none" spc="0" normalizeH="0" baseline="0">
                 <a:ln>
                   <a:noFill/>
                 </a:ln>
@@ -8101,7 +7620,7 @@
               <a:t>JS, CSS, HTML, </a:t>
             </a:r>
             <a:r>
-              <a:rPr kumimoji="0" lang="zh-CN" altLang="en-US" sz="2800" b="0" i="0" u="none" strike="noStrike" cap="none" spc="0" normalizeH="0" baseline="0">
+              <a:rPr kumimoji="0" lang="zh-CN" altLang="en-US" sz="2400" b="0" i="0" u="none" strike="noStrike" cap="none" spc="0" normalizeH="0" baseline="0">
                 <a:ln>
                   <a:noFill/>
                 </a:ln>
@@ -8117,7 +7636,7 @@
               </a:rPr>
               <a:t>图片</a:t>
             </a:r>
-            <a:endParaRPr kumimoji="0" lang="zh-CN" altLang="en-US" sz="4000" b="0" i="0" u="none" strike="noStrike" cap="none" spc="0" normalizeH="0" baseline="0">
+            <a:endParaRPr kumimoji="0" lang="zh-CN" altLang="en-US" sz="3600" b="0" i="0" u="none" strike="noStrike" cap="none" spc="0" normalizeH="0" baseline="0">
               <a:ln>
                 <a:noFill/>
               </a:ln>
@@ -8149,7 +7668,7 @@
               <a:buNone/>
             </a:pPr>
             <a:r>
-              <a:rPr kumimoji="0" lang="zh-CN" altLang="en-US" sz="3600" b="0" i="0" u="none" strike="noStrike" cap="none" spc="0" normalizeH="0" baseline="0">
+              <a:rPr kumimoji="0" lang="zh-CN" altLang="en-US" sz="3200" b="0" i="0" u="none" strike="noStrike" cap="none" spc="0" normalizeH="0" baseline="0">
                 <a:ln>
                   <a:noFill/>
                 </a:ln>
@@ -8166,7 +7685,7 @@
               <a:t>2. 去除无用代码</a:t>
             </a:r>
             <a:r>
-              <a:rPr kumimoji="0" lang="en-US" altLang="zh-CN" sz="3600" b="0" i="0" u="none" strike="noStrike" cap="none" spc="0" normalizeH="0" baseline="0">
+              <a:rPr kumimoji="0" lang="en-US" altLang="zh-CN" sz="3200" b="0" i="0" u="none" strike="noStrike" cap="none" spc="0" normalizeH="0" baseline="0">
                 <a:ln>
                   <a:noFill/>
                 </a:ln>
@@ -8183,7 +7702,7 @@
               <a:t>: </a:t>
             </a:r>
             <a:r>
-              <a:rPr kumimoji="0" lang="en-US" altLang="zh-CN" sz="2800" b="0" i="0" u="none" strike="noStrike" cap="none" spc="0" normalizeH="0" baseline="0">
+              <a:rPr kumimoji="0" lang="en-US" altLang="zh-CN" sz="2400" b="0" i="0" u="none" strike="noStrike" cap="none" spc="0" normalizeH="0" baseline="0">
                 <a:ln>
                   <a:noFill/>
                 </a:ln>
@@ -8199,7 +7718,7 @@
               </a:rPr>
               <a:t>Tree-shaking</a:t>
             </a:r>
-            <a:endParaRPr kumimoji="0" lang="zh-CN" altLang="en-US" sz="2800" b="0" i="0" u="none" strike="noStrike" cap="none" spc="0" normalizeH="0" baseline="0">
+            <a:endParaRPr kumimoji="0" lang="en-US" altLang="zh-CN" sz="2400" b="0" i="0" u="none" strike="noStrike" cap="none" spc="0" normalizeH="0" baseline="0">
               <a:ln>
                 <a:noFill/>
               </a:ln>
@@ -8230,58 +7749,7 @@
               <a:buFontTx/>
               <a:buNone/>
             </a:pPr>
-            <a:r>
-              <a:rPr kumimoji="0" lang="zh-CN" altLang="en-US" sz="3600" b="0" i="0" u="none" strike="noStrike" cap="none" spc="0" normalizeH="0" baseline="0">
-                <a:ln>
-                  <a:noFill/>
-                </a:ln>
-                <a:solidFill>
-                  <a:srgbClr val="000000"/>
-                </a:solidFill>
-                <a:effectLst/>
-                <a:uFillTx/>
-                <a:latin typeface="+mn-lt"/>
-                <a:ea typeface="+mn-ea"/>
-                <a:cs typeface="+mn-cs"/>
-                <a:sym typeface="Calibri" panose="020F0502020204030204"/>
-              </a:rPr>
-              <a:t>3. 提取公共代码</a:t>
-            </a:r>
-            <a:r>
-              <a:rPr kumimoji="0" lang="en-US" altLang="zh-CN" sz="3600" b="0" i="0" u="none" strike="noStrike" cap="none" spc="0" normalizeH="0" baseline="0">
-                <a:ln>
-                  <a:noFill/>
-                </a:ln>
-                <a:solidFill>
-                  <a:srgbClr val="000000"/>
-                </a:solidFill>
-                <a:effectLst/>
-                <a:uFillTx/>
-                <a:latin typeface="+mn-lt"/>
-                <a:ea typeface="+mn-ea"/>
-                <a:cs typeface="+mn-cs"/>
-                <a:sym typeface="Calibri" panose="020F0502020204030204"/>
-              </a:rPr>
-              <a:t>: </a:t>
-            </a:r>
-            <a:r>
-              <a:rPr kumimoji="0" lang="en-US" altLang="zh-CN" sz="2800" b="0" i="0" u="none" strike="noStrike" cap="none" spc="0" normalizeH="0" baseline="0">
-                <a:ln>
-                  <a:noFill/>
-                </a:ln>
-                <a:solidFill>
-                  <a:srgbClr val="000000"/>
-                </a:solidFill>
-                <a:effectLst/>
-                <a:uFillTx/>
-                <a:latin typeface="+mn-lt"/>
-                <a:ea typeface="+mn-ea"/>
-                <a:cs typeface="+mn-cs"/>
-                <a:sym typeface="Calibri" panose="020F0502020204030204"/>
-              </a:rPr>
-              <a:t>optimization.splitChunks</a:t>
-            </a:r>
-            <a:endParaRPr kumimoji="0" lang="en-US" altLang="zh-CN" sz="2800" b="0" i="0" u="none" strike="noStrike" cap="none" spc="0" normalizeH="0" baseline="0">
+            <a:endParaRPr kumimoji="0" lang="zh-CN" altLang="en-US" sz="2400" b="0" i="0" u="none" strike="noStrike" cap="none" spc="0" normalizeH="0" baseline="0">
               <a:ln>
                 <a:noFill/>
               </a:ln>
@@ -8312,92 +7780,7 @@
               <a:buFontTx/>
               <a:buNone/>
             </a:pPr>
-            <a:r>
-              <a:rPr kumimoji="0" lang="zh-CN" altLang="en-US" sz="3600" b="0" i="0" u="none" strike="noStrike" cap="none" spc="0" normalizeH="0" baseline="0">
-                <a:ln>
-                  <a:noFill/>
-                </a:ln>
-                <a:solidFill>
-                  <a:srgbClr val="000000"/>
-                </a:solidFill>
-                <a:effectLst/>
-                <a:uFillTx/>
-                <a:latin typeface="+mn-lt"/>
-                <a:ea typeface="+mn-ea"/>
-                <a:cs typeface="+mn-cs"/>
-                <a:sym typeface="Calibri" panose="020F0502020204030204"/>
-              </a:rPr>
-              <a:t>4. 减少</a:t>
-            </a:r>
-            <a:r>
-              <a:rPr kumimoji="0" lang="en-US" altLang="zh-CN" sz="3600" b="0" i="0" u="none" strike="noStrike" cap="none" spc="0" normalizeH="0" baseline="0">
-                <a:ln>
-                  <a:noFill/>
-                </a:ln>
-                <a:solidFill>
-                  <a:srgbClr val="000000"/>
-                </a:solidFill>
-                <a:effectLst/>
-                <a:uFillTx/>
-                <a:latin typeface="+mn-lt"/>
-                <a:ea typeface="+mn-ea"/>
-                <a:cs typeface="+mn-cs"/>
-                <a:sym typeface="Calibri" panose="020F0502020204030204"/>
-              </a:rPr>
-              <a:t>loader</a:t>
-            </a:r>
-            <a:r>
-              <a:rPr kumimoji="0" lang="zh-CN" altLang="en-US" sz="3600" b="0" i="0" u="none" strike="noStrike" cap="none" spc="0" normalizeH="0" baseline="0">
-                <a:ln>
-                  <a:noFill/>
-                </a:ln>
-                <a:solidFill>
-                  <a:srgbClr val="000000"/>
-                </a:solidFill>
-                <a:effectLst/>
-                <a:uFillTx/>
-                <a:latin typeface="+mn-lt"/>
-                <a:ea typeface="宋体" panose="02010600030101010101" pitchFamily="2" charset="-122"/>
-                <a:cs typeface="+mn-cs"/>
-                <a:sym typeface="Calibri" panose="020F0502020204030204"/>
-              </a:rPr>
-              <a:t>转换</a:t>
-            </a:r>
-            <a:r>
-              <a:rPr kumimoji="0" lang="en-US" altLang="zh-CN" sz="3600" b="0" i="0" u="none" strike="noStrike" cap="none" spc="0" normalizeH="0" baseline="0">
-                <a:ln>
-                  <a:noFill/>
-                </a:ln>
-                <a:solidFill>
-                  <a:srgbClr val="000000"/>
-                </a:solidFill>
-                <a:effectLst/>
-                <a:uFillTx/>
-                <a:latin typeface="+mn-lt"/>
-                <a:ea typeface="宋体" panose="02010600030101010101" pitchFamily="2" charset="-122"/>
-                <a:cs typeface="+mn-cs"/>
-                <a:sym typeface="Calibri" panose="020F0502020204030204"/>
-              </a:rPr>
-              <a:t>: </a:t>
-            </a:r>
-            <a:r>
-              <a:rPr kumimoji="0" lang="en-US" altLang="zh-CN" sz="2800" b="0" i="0" u="none" strike="noStrike" cap="none" spc="0" normalizeH="0" baseline="0">
-                <a:ln>
-                  <a:noFill/>
-                </a:ln>
-                <a:solidFill>
-                  <a:srgbClr val="000000"/>
-                </a:solidFill>
-                <a:effectLst/>
-                <a:uFillTx/>
-                <a:latin typeface="+mn-lt"/>
-                <a:ea typeface="宋体" panose="02010600030101010101" pitchFamily="2" charset="-122"/>
-                <a:cs typeface="+mn-cs"/>
-                <a:sym typeface="Calibri" panose="020F0502020204030204"/>
-              </a:rPr>
-              <a:t>exclude &amp; include</a:t>
-            </a:r>
-            <a:endParaRPr kumimoji="0" lang="en-US" altLang="zh-CN" sz="3600" b="0" i="0" u="none" strike="noStrike" cap="none" spc="0" normalizeH="0" baseline="0">
+            <a:endParaRPr kumimoji="0" lang="zh-CN" altLang="en-US" sz="2400" b="0" i="0" u="none" strike="noStrike" cap="none" spc="0" normalizeH="0" baseline="0">
               <a:ln>
                 <a:noFill/>
               </a:ln>
@@ -8407,7 +7790,7 @@
               <a:effectLst/>
               <a:uFillTx/>
               <a:latin typeface="+mn-lt"/>
-              <a:ea typeface="宋体" panose="02010600030101010101" pitchFamily="2" charset="-122"/>
+              <a:ea typeface="+mn-ea"/>
               <a:cs typeface="+mn-cs"/>
               <a:sym typeface="Calibri" panose="020F0502020204030204"/>
             </a:endParaRPr>
@@ -8429,7 +7812,7 @@
               <a:buNone/>
             </a:pPr>
             <a:r>
-              <a:rPr kumimoji="0" lang="zh-CN" altLang="en-US" sz="3600" b="0" i="0" u="none" strike="noStrike" cap="none" spc="0" normalizeH="0" baseline="0">
+              <a:rPr kumimoji="0" lang="zh-CN" altLang="en-US" sz="3200" b="0" i="0" u="none" strike="noStrike" cap="none" spc="0" normalizeH="0" baseline="0">
                 <a:ln>
                   <a:noFill/>
                 </a:ln>
@@ -8443,10 +7826,10 @@
                 <a:cs typeface="+mn-cs"/>
                 <a:sym typeface="Calibri" panose="020F0502020204030204"/>
               </a:rPr>
-              <a:t>5. 加快依赖查找过程</a:t>
-            </a:r>
-            <a:r>
-              <a:rPr kumimoji="0" lang="en-US" altLang="zh-CN" sz="3600" b="0" i="0" u="none" strike="noStrike" cap="none" spc="0" normalizeH="0" baseline="0">
+              <a:t>3. 提取公共代码</a:t>
+            </a:r>
+            <a:r>
+              <a:rPr kumimoji="0" lang="en-US" altLang="zh-CN" sz="3200" b="0" i="0" u="none" strike="noStrike" cap="none" spc="0" normalizeH="0" baseline="0">
                 <a:ln>
                   <a:noFill/>
                 </a:ln>
@@ -8463,7 +7846,7 @@
               <a:t>: </a:t>
             </a:r>
             <a:r>
-              <a:rPr kumimoji="0" lang="en-US" altLang="zh-CN" sz="2800" b="0" i="0" u="none" strike="noStrike" cap="none" spc="0" normalizeH="0" baseline="0">
+              <a:rPr kumimoji="0" lang="en-US" altLang="zh-CN" sz="2400" b="0" i="0" u="none" strike="noStrike" cap="none" spc="0" normalizeH="0" baseline="0">
                 <a:ln>
                   <a:noFill/>
                 </a:ln>
@@ -8477,9 +7860,9 @@
                 <a:cs typeface="+mn-cs"/>
                 <a:sym typeface="Calibri" panose="020F0502020204030204"/>
               </a:rPr>
-              <a:t>Resolve</a:t>
-            </a:r>
-            <a:endParaRPr kumimoji="0" lang="en-US" altLang="zh-CN" sz="2800" b="0" i="0" u="none" strike="noStrike" cap="none" spc="0" normalizeH="0" baseline="0">
+              <a:t>optimization.splitChunks</a:t>
+            </a:r>
+            <a:endParaRPr kumimoji="0" lang="en-US" altLang="zh-CN" sz="2400" b="0" i="0" u="none" strike="noStrike" cap="none" spc="0" normalizeH="0" baseline="0">
               <a:ln>
                 <a:noFill/>
               </a:ln>
@@ -8511,7 +7894,124 @@
               <a:buNone/>
             </a:pPr>
             <a:r>
-              <a:rPr kumimoji="0" lang="zh-CN" altLang="en-US" sz="3600" b="0" i="0" u="none" strike="noStrike" cap="none" spc="0" normalizeH="0" baseline="0">
+              <a:rPr lang="en-US" altLang="zh-CN" sz="3200">
+                <a:sym typeface="Calibri" panose="020F0502020204030204"/>
+              </a:rPr>
+              <a:t>4</a:t>
+            </a:r>
+            <a:r>
+              <a:rPr lang="zh-CN" altLang="en-US" sz="3200">
+                <a:sym typeface="Calibri" panose="020F0502020204030204"/>
+              </a:rPr>
+              <a:t>. 缓存</a:t>
+            </a:r>
+            <a:r>
+              <a:rPr lang="en-US" altLang="zh-CN" sz="3200">
+                <a:sym typeface="Calibri" panose="020F0502020204030204"/>
+              </a:rPr>
+              <a:t>: </a:t>
+            </a:r>
+            <a:r>
+              <a:rPr lang="en-US" sz="2400">
+                <a:sym typeface="Calibri" panose="020F0502020204030204"/>
+              </a:rPr>
+              <a:t>hash</a:t>
+            </a:r>
+            <a:endParaRPr kumimoji="0" lang="en-US" sz="2400" b="0" i="0" u="none" strike="noStrike" cap="none" spc="0" normalizeH="0" baseline="0">
+              <a:ln>
+                <a:noFill/>
+              </a:ln>
+              <a:solidFill>
+                <a:srgbClr val="000000"/>
+              </a:solidFill>
+              <a:effectLst/>
+              <a:uFillTx/>
+              <a:latin typeface="+mn-lt"/>
+              <a:ea typeface="+mn-ea"/>
+              <a:cs typeface="+mn-cs"/>
+              <a:sym typeface="Calibri" panose="020F0502020204030204"/>
+            </a:endParaRPr>
+          </a:p>
+          <a:p>
+            <a:pPr marL="0" marR="0" indent="0" algn="l" defTabSz="914400" rtl="0" fontAlgn="auto" latinLnBrk="0" hangingPunct="0">
+              <a:lnSpc>
+                <a:spcPct val="100000"/>
+              </a:lnSpc>
+              <a:spcBef>
+                <a:spcPts val="0"/>
+              </a:spcBef>
+              <a:spcAft>
+                <a:spcPts val="0"/>
+              </a:spcAft>
+              <a:buClrTx/>
+              <a:buSzTx/>
+              <a:buFontTx/>
+              <a:buNone/>
+            </a:pPr>
+            <a:endParaRPr kumimoji="0" lang="en-US" altLang="zh-CN" sz="2400" b="0" i="0" u="none" strike="noStrike" cap="none" spc="0" normalizeH="0" baseline="0">
+              <a:ln>
+                <a:noFill/>
+              </a:ln>
+              <a:solidFill>
+                <a:srgbClr val="000000"/>
+              </a:solidFill>
+              <a:effectLst/>
+              <a:uFillTx/>
+              <a:latin typeface="+mn-lt"/>
+              <a:ea typeface="+mn-ea"/>
+              <a:cs typeface="+mn-cs"/>
+              <a:sym typeface="Calibri" panose="020F0502020204030204"/>
+            </a:endParaRPr>
+          </a:p>
+          <a:p>
+            <a:pPr marL="0" marR="0" indent="0" algn="l" defTabSz="914400" rtl="0" fontAlgn="auto" latinLnBrk="0" hangingPunct="0">
+              <a:lnSpc>
+                <a:spcPct val="100000"/>
+              </a:lnSpc>
+              <a:spcBef>
+                <a:spcPts val="0"/>
+              </a:spcBef>
+              <a:spcAft>
+                <a:spcPts val="0"/>
+              </a:spcAft>
+              <a:buClrTx/>
+              <a:buSzTx/>
+              <a:buFontTx/>
+              <a:buNone/>
+            </a:pPr>
+            <a:endParaRPr kumimoji="0" lang="en-US" altLang="zh-CN" sz="2400" b="0" i="0" u="none" strike="noStrike" cap="none" spc="0" normalizeH="0" baseline="0">
+              <a:ln>
+                <a:noFill/>
+              </a:ln>
+              <a:solidFill>
+                <a:srgbClr val="000000"/>
+              </a:solidFill>
+              <a:effectLst/>
+              <a:uFillTx/>
+              <a:latin typeface="+mn-lt"/>
+              <a:ea typeface="+mn-ea"/>
+              <a:cs typeface="+mn-cs"/>
+              <a:sym typeface="Calibri" panose="020F0502020204030204"/>
+            </a:endParaRPr>
+          </a:p>
+          <a:p>
+            <a:pPr marL="0" marR="0" indent="0" algn="l" defTabSz="914400" rtl="0" fontAlgn="auto" latinLnBrk="0" hangingPunct="0">
+              <a:lnSpc>
+                <a:spcPct val="100000"/>
+              </a:lnSpc>
+              <a:spcBef>
+                <a:spcPts val="0"/>
+              </a:spcBef>
+              <a:spcAft>
+                <a:spcPts val="0"/>
+              </a:spcAft>
+              <a:buClrTx/>
+              <a:buSzTx/>
+              <a:buFontTx/>
+              <a:buNone/>
+            </a:pPr>
+            <a:r>
+              <a:rPr kumimoji="0" lang="en-US" altLang="zh-CN" sz="3200" b="0" i="0" u="none" strike="noStrike" cap="none" spc="0" normalizeH="0" baseline="0">
                 <a:ln>
                   <a:noFill/>
                 </a:ln>
@@ -8525,20 +8025,223 @@
                 <a:cs typeface="+mn-cs"/>
                 <a:sym typeface="Calibri" panose="020F0502020204030204"/>
               </a:rPr>
-              <a:t>6. 缓存</a:t>
-            </a:r>
-            <a:r>
-              <a:rPr lang="en-US" altLang="zh-CN" sz="3600">
+              <a:t>5</a:t>
+            </a:r>
+            <a:r>
+              <a:rPr kumimoji="0" lang="zh-CN" altLang="en-US" sz="3200" b="0" i="0" u="none" strike="noStrike" cap="none" spc="0" normalizeH="0" baseline="0">
+                <a:ln>
+                  <a:noFill/>
+                </a:ln>
+                <a:solidFill>
+                  <a:srgbClr val="000000"/>
+                </a:solidFill>
+                <a:effectLst/>
+                <a:uFillTx/>
+                <a:latin typeface="+mn-lt"/>
+                <a:ea typeface="+mn-ea"/>
+                <a:cs typeface="+mn-cs"/>
+                <a:sym typeface="Calibri" panose="020F0502020204030204"/>
+              </a:rPr>
+              <a:t>. 减少</a:t>
+            </a:r>
+            <a:r>
+              <a:rPr kumimoji="0" lang="en-US" altLang="zh-CN" sz="3200" b="0" i="0" u="none" strike="noStrike" cap="none" spc="0" normalizeH="0" baseline="0">
+                <a:ln>
+                  <a:noFill/>
+                </a:ln>
+                <a:solidFill>
+                  <a:srgbClr val="000000"/>
+                </a:solidFill>
+                <a:effectLst/>
+                <a:uFillTx/>
+                <a:latin typeface="+mn-lt"/>
+                <a:ea typeface="+mn-ea"/>
+                <a:cs typeface="+mn-cs"/>
+                <a:sym typeface="Calibri" panose="020F0502020204030204"/>
+              </a:rPr>
+              <a:t>loader</a:t>
+            </a:r>
+            <a:r>
+              <a:rPr kumimoji="0" lang="zh-CN" altLang="en-US" sz="3200" b="0" i="0" u="none" strike="noStrike" cap="none" spc="0" normalizeH="0" baseline="0">
+                <a:ln>
+                  <a:noFill/>
+                </a:ln>
+                <a:solidFill>
+                  <a:srgbClr val="000000"/>
+                </a:solidFill>
+                <a:effectLst/>
+                <a:uFillTx/>
+                <a:latin typeface="+mn-lt"/>
+                <a:ea typeface="宋体" panose="02010600030101010101" pitchFamily="2" charset="-122"/>
+                <a:cs typeface="+mn-cs"/>
+                <a:sym typeface="Calibri" panose="020F0502020204030204"/>
+              </a:rPr>
+              <a:t>转换</a:t>
+            </a:r>
+            <a:r>
+              <a:rPr kumimoji="0" lang="en-US" altLang="zh-CN" sz="3200" b="0" i="0" u="none" strike="noStrike" cap="none" spc="0" normalizeH="0" baseline="0">
+                <a:ln>
+                  <a:noFill/>
+                </a:ln>
+                <a:solidFill>
+                  <a:srgbClr val="000000"/>
+                </a:solidFill>
+                <a:effectLst/>
+                <a:uFillTx/>
+                <a:latin typeface="+mn-lt"/>
+                <a:ea typeface="宋体" panose="02010600030101010101" pitchFamily="2" charset="-122"/>
+                <a:cs typeface="+mn-cs"/>
                 <a:sym typeface="Calibri" panose="020F0502020204030204"/>
               </a:rPr>
               <a:t>: </a:t>
             </a:r>
             <a:r>
-              <a:rPr lang="en-US" sz="2800">
+              <a:rPr kumimoji="0" lang="en-US" altLang="zh-CN" sz="2400" b="0" i="0" u="none" strike="noStrike" cap="none" spc="0" normalizeH="0" baseline="0">
+                <a:ln>
+                  <a:noFill/>
+                </a:ln>
+                <a:solidFill>
+                  <a:srgbClr val="000000"/>
+                </a:solidFill>
+                <a:effectLst/>
+                <a:uFillTx/>
+                <a:latin typeface="+mn-lt"/>
+                <a:ea typeface="宋体" panose="02010600030101010101" pitchFamily="2" charset="-122"/>
+                <a:cs typeface="+mn-cs"/>
                 <a:sym typeface="Calibri" panose="020F0502020204030204"/>
               </a:rPr>
-              <a:t>hash</a:t>
-            </a:r>
+              <a:t>exclude &amp; include</a:t>
+            </a:r>
+            <a:endParaRPr kumimoji="0" lang="en-US" altLang="zh-CN" sz="3200" b="0" i="0" u="none" strike="noStrike" cap="none" spc="0" normalizeH="0" baseline="0">
+              <a:ln>
+                <a:noFill/>
+              </a:ln>
+              <a:solidFill>
+                <a:srgbClr val="000000"/>
+              </a:solidFill>
+              <a:effectLst/>
+              <a:uFillTx/>
+              <a:latin typeface="+mn-lt"/>
+              <a:ea typeface="宋体" panose="02010600030101010101" pitchFamily="2" charset="-122"/>
+              <a:cs typeface="+mn-cs"/>
+              <a:sym typeface="Calibri" panose="020F0502020204030204"/>
+            </a:endParaRPr>
+          </a:p>
+          <a:p>
+            <a:pPr marL="0" marR="0" indent="0" algn="l" defTabSz="914400" rtl="0" fontAlgn="auto" latinLnBrk="0" hangingPunct="0">
+              <a:lnSpc>
+                <a:spcPct val="100000"/>
+              </a:lnSpc>
+              <a:spcBef>
+                <a:spcPts val="0"/>
+              </a:spcBef>
+              <a:spcAft>
+                <a:spcPts val="0"/>
+              </a:spcAft>
+              <a:buClrTx/>
+              <a:buSzTx/>
+              <a:buFontTx/>
+              <a:buNone/>
+            </a:pPr>
+            <a:r>
+              <a:rPr kumimoji="0" lang="en-US" altLang="zh-CN" sz="3200" b="0" i="0" u="none" strike="noStrike" cap="none" spc="0" normalizeH="0" baseline="0">
+                <a:ln>
+                  <a:noFill/>
+                </a:ln>
+                <a:solidFill>
+                  <a:srgbClr val="000000"/>
+                </a:solidFill>
+                <a:effectLst/>
+                <a:uFillTx/>
+                <a:latin typeface="+mn-lt"/>
+                <a:ea typeface="+mn-ea"/>
+                <a:cs typeface="+mn-cs"/>
+                <a:sym typeface="Calibri" panose="020F0502020204030204"/>
+              </a:rPr>
+              <a:t>6</a:t>
+            </a:r>
+            <a:r>
+              <a:rPr kumimoji="0" lang="zh-CN" altLang="en-US" sz="3200" b="0" i="0" u="none" strike="noStrike" cap="none" spc="0" normalizeH="0" baseline="0">
+                <a:ln>
+                  <a:noFill/>
+                </a:ln>
+                <a:solidFill>
+                  <a:srgbClr val="000000"/>
+                </a:solidFill>
+                <a:effectLst/>
+                <a:uFillTx/>
+                <a:latin typeface="+mn-lt"/>
+                <a:ea typeface="+mn-ea"/>
+                <a:cs typeface="+mn-cs"/>
+                <a:sym typeface="Calibri" panose="020F0502020204030204"/>
+              </a:rPr>
+              <a:t>. 加快依赖查找过程</a:t>
+            </a:r>
+            <a:r>
+              <a:rPr kumimoji="0" lang="en-US" altLang="zh-CN" sz="3200" b="0" i="0" u="none" strike="noStrike" cap="none" spc="0" normalizeH="0" baseline="0">
+                <a:ln>
+                  <a:noFill/>
+                </a:ln>
+                <a:solidFill>
+                  <a:srgbClr val="000000"/>
+                </a:solidFill>
+                <a:effectLst/>
+                <a:uFillTx/>
+                <a:latin typeface="+mn-lt"/>
+                <a:ea typeface="+mn-ea"/>
+                <a:cs typeface="+mn-cs"/>
+                <a:sym typeface="Calibri" panose="020F0502020204030204"/>
+              </a:rPr>
+              <a:t>: </a:t>
+            </a:r>
+            <a:r>
+              <a:rPr kumimoji="0" lang="en-US" altLang="zh-CN" sz="2400" b="0" i="0" u="none" strike="noStrike" cap="none" spc="0" normalizeH="0" baseline="0">
+                <a:ln>
+                  <a:noFill/>
+                </a:ln>
+                <a:solidFill>
+                  <a:srgbClr val="000000"/>
+                </a:solidFill>
+                <a:effectLst/>
+                <a:uFillTx/>
+                <a:latin typeface="+mn-lt"/>
+                <a:ea typeface="+mn-ea"/>
+                <a:cs typeface="+mn-cs"/>
+                <a:sym typeface="Calibri" panose="020F0502020204030204"/>
+              </a:rPr>
+              <a:t>Resolve</a:t>
+            </a:r>
+            <a:endParaRPr kumimoji="0" lang="en-US" altLang="zh-CN" sz="2800" b="0" i="0" u="none" strike="noStrike" cap="none" spc="0" normalizeH="0" baseline="0">
+              <a:ln>
+                <a:noFill/>
+              </a:ln>
+              <a:solidFill>
+                <a:srgbClr val="000000"/>
+              </a:solidFill>
+              <a:effectLst/>
+              <a:uFillTx/>
+              <a:latin typeface="+mn-lt"/>
+              <a:ea typeface="+mn-ea"/>
+              <a:cs typeface="+mn-cs"/>
+              <a:sym typeface="Calibri" panose="020F0502020204030204"/>
+            </a:endParaRPr>
+          </a:p>
+          <a:p>
+            <a:pPr marL="0" marR="0" indent="0" algn="l" defTabSz="914400" rtl="0" fontAlgn="auto" latinLnBrk="0" hangingPunct="0">
+              <a:lnSpc>
+                <a:spcPct val="100000"/>
+              </a:lnSpc>
+              <a:spcBef>
+                <a:spcPts val="0"/>
+              </a:spcBef>
+              <a:spcAft>
+                <a:spcPts val="0"/>
+              </a:spcAft>
+              <a:buClrTx/>
+              <a:buSzTx/>
+              <a:buFontTx/>
+              <a:buNone/>
+            </a:pPr>
             <a:endParaRPr kumimoji="0" lang="en-US" sz="3600" b="0" i="0" u="none" strike="noStrike" cap="none" spc="0" normalizeH="0" baseline="0">
               <a:ln>
                 <a:noFill/>
@@ -8695,7 +8398,7 @@
         <p:spPr>
           <a:xfrm>
             <a:off x="1914525" y="544194"/>
-            <a:ext cx="1106170" cy="706755"/>
+            <a:ext cx="2630170" cy="706755"/>
           </a:xfrm>
           <a:prstGeom prst="rect">
             <a:avLst/>
@@ -8724,7 +8427,7 @@
           <a:p>
             <a:r>
               <a:rPr lang="zh-CN" altLang="en-US"/>
-              <a:t>优化</a:t>
+              <a:t>减小包大小</a:t>
             </a:r>
             <a:endParaRPr lang="zh-CN" altLang="en-US"/>
           </a:p>
@@ -8767,6 +8470,376 @@
               <a:t>*</a:t>
             </a:r>
             <a:endParaRPr lang="en-US" sz="5400"/>
+          </a:p>
+        </p:txBody>
+      </p:sp>
+      <p:grpSp>
+        <p:nvGrpSpPr>
+          <p:cNvPr id="22" name="矩形 1"/>
+          <p:cNvGrpSpPr/>
+          <p:nvPr/>
+        </p:nvGrpSpPr>
+        <p:grpSpPr>
+          <a:xfrm>
+            <a:off x="1659890" y="2346325"/>
+            <a:ext cx="4233545" cy="720090"/>
+            <a:chOff x="0" y="-1"/>
+            <a:chExt cx="4194810" cy="720092"/>
+          </a:xfrm>
+        </p:grpSpPr>
+        <p:sp>
+          <p:nvSpPr>
+            <p:cNvPr id="23" name="矩形"/>
+            <p:cNvSpPr/>
+            <p:nvPr/>
+          </p:nvSpPr>
+          <p:spPr>
+            <a:xfrm>
+              <a:off x="0" y="-1"/>
+              <a:ext cx="4194810" cy="720092"/>
+            </a:xfrm>
+            <a:prstGeom prst="rect">
+              <a:avLst/>
+            </a:prstGeom>
+            <a:solidFill>
+              <a:srgbClr val="0064E6"/>
+            </a:solidFill>
+            <a:ln w="12700" cap="flat">
+              <a:noFill/>
+              <a:miter lim="400000"/>
+            </a:ln>
+            <a:effectLst/>
+          </p:spPr>
+          <p:txBody>
+            <a:bodyPr wrap="square" lIns="45719" tIns="45719" rIns="45719" bIns="45719" numCol="1" anchor="ctr">
+              <a:noAutofit/>
+            </a:bodyPr>
+            <a:lstStyle/>
+            <a:p>
+              <a:pPr algn="ctr">
+                <a:defRPr>
+                  <a:solidFill>
+                    <a:srgbClr val="FFFFFF"/>
+                  </a:solidFill>
+                </a:defRPr>
+              </a:pPr>
+            </a:p>
+          </p:txBody>
+        </p:sp>
+        <p:sp>
+          <p:nvSpPr>
+            <p:cNvPr id="24" name="文本"/>
+            <p:cNvSpPr txBox="1"/>
+            <p:nvPr/>
+          </p:nvSpPr>
+          <p:spPr>
+            <a:xfrm>
+              <a:off x="0" y="176530"/>
+              <a:ext cx="4194810" cy="367031"/>
+            </a:xfrm>
+            <a:prstGeom prst="rect">
+              <a:avLst/>
+            </a:prstGeom>
+            <a:noFill/>
+            <a:ln w="12700" cap="flat">
+              <a:noFill/>
+              <a:miter lim="400000"/>
+            </a:ln>
+            <a:effectLst/>
+          </p:spPr>
+          <p:txBody>
+            <a:bodyPr wrap="square" lIns="45719" tIns="45719" rIns="45719" bIns="45719" numCol="1" anchor="ctr">
+              <a:spAutoFit/>
+            </a:bodyPr>
+            <a:lstStyle>
+              <a:lvl1pPr algn="ctr">
+                <a:defRPr>
+                  <a:solidFill>
+                    <a:srgbClr val="FFFFFF"/>
+                  </a:solidFill>
+                </a:defRPr>
+              </a:lvl1pPr>
+            </a:lstStyle>
+            <a:p>
+              <a:r>
+                <a:t>   </a:t>
+              </a:r>
+            </a:p>
+          </p:txBody>
+        </p:sp>
+      </p:grpSp>
+      <p:sp>
+        <p:nvSpPr>
+          <p:cNvPr id="25" name="矩形 2"/>
+          <p:cNvSpPr/>
+          <p:nvPr/>
+        </p:nvSpPr>
+        <p:spPr>
+          <a:xfrm>
+            <a:off x="1011554" y="2353309"/>
+            <a:ext cx="648336" cy="720091"/>
+          </a:xfrm>
+          <a:prstGeom prst="rect">
+            <a:avLst/>
+          </a:prstGeom>
+          <a:solidFill>
+            <a:srgbClr val="0092ED"/>
+          </a:solidFill>
+          <a:ln w="12700">
+            <a:miter lim="400000"/>
+          </a:ln>
+        </p:spPr>
+        <p:txBody>
+          <a:bodyPr lIns="45719" rIns="45719" anchor="ctr"/>
+          <a:lstStyle/>
+          <a:p>
+            <a:pPr algn="ctr">
+              <a:defRPr>
+                <a:solidFill>
+                  <a:srgbClr val="FFFFFF"/>
+                </a:solidFill>
+              </a:defRPr>
+            </a:pPr>
+          </a:p>
+        </p:txBody>
+      </p:sp>
+      <p:sp>
+        <p:nvSpPr>
+          <p:cNvPr id="27" name="文本框 9"/>
+          <p:cNvSpPr txBox="1"/>
+          <p:nvPr/>
+        </p:nvSpPr>
+        <p:spPr>
+          <a:xfrm>
+            <a:off x="1875790" y="2353309"/>
+            <a:ext cx="3138170" cy="706755"/>
+          </a:xfrm>
+          <a:prstGeom prst="rect">
+            <a:avLst/>
+          </a:prstGeom>
+          <a:ln w="12700">
+            <a:miter lim="400000"/>
+          </a:ln>
+        </p:spPr>
+        <p:txBody>
+          <a:bodyPr wrap="none" lIns="45719" rIns="45719">
+            <a:spAutoFit/>
+          </a:bodyPr>
+          <a:lstStyle>
+            <a:lvl1pPr>
+              <a:defRPr sz="4000" b="1">
+                <a:solidFill>
+                  <a:srgbClr val="FFFFFF"/>
+                </a:solidFill>
+                <a:latin typeface="微软雅黑" panose="020B0503020204020204" charset="-122"/>
+                <a:ea typeface="微软雅黑" panose="020B0503020204020204" charset="-122"/>
+                <a:cs typeface="微软雅黑" panose="020B0503020204020204" charset="-122"/>
+                <a:sym typeface="微软雅黑" panose="020B0503020204020204" charset="-122"/>
+              </a:defRPr>
+            </a:lvl1pPr>
+          </a:lstStyle>
+          <a:p>
+            <a:pPr algn="l"/>
+            <a:r>
+              <a:rPr lang="zh-CN">
+                <a:sym typeface="Calibri" panose="020F0502020204030204"/>
+              </a:rPr>
+              <a:t>加快访问速度</a:t>
+            </a:r>
+            <a:endParaRPr lang="zh-CN">
+              <a:sym typeface="Calibri" panose="020F0502020204030204"/>
+            </a:endParaRPr>
+          </a:p>
+        </p:txBody>
+      </p:sp>
+      <p:grpSp>
+        <p:nvGrpSpPr>
+          <p:cNvPr id="4" name="矩形 1"/>
+          <p:cNvGrpSpPr/>
+          <p:nvPr/>
+        </p:nvGrpSpPr>
+        <p:grpSpPr>
+          <a:xfrm>
+            <a:off x="1659255" y="4044315"/>
+            <a:ext cx="4234180" cy="720090"/>
+            <a:chOff x="0" y="-1"/>
+            <a:chExt cx="4194810" cy="720092"/>
+          </a:xfrm>
+        </p:grpSpPr>
+        <p:sp>
+          <p:nvSpPr>
+            <p:cNvPr id="5" name="矩形"/>
+            <p:cNvSpPr/>
+            <p:nvPr/>
+          </p:nvSpPr>
+          <p:spPr>
+            <a:xfrm>
+              <a:off x="0" y="-1"/>
+              <a:ext cx="4194810" cy="720092"/>
+            </a:xfrm>
+            <a:prstGeom prst="rect">
+              <a:avLst/>
+            </a:prstGeom>
+            <a:solidFill>
+              <a:srgbClr val="0064E6"/>
+            </a:solidFill>
+            <a:ln w="12700" cap="flat">
+              <a:noFill/>
+              <a:miter lim="400000"/>
+            </a:ln>
+            <a:effectLst/>
+          </p:spPr>
+          <p:txBody>
+            <a:bodyPr wrap="square" lIns="45719" tIns="45719" rIns="45719" bIns="45719" numCol="1" anchor="ctr">
+              <a:noAutofit/>
+            </a:bodyPr>
+            <a:lstStyle/>
+            <a:p>
+              <a:pPr algn="ctr">
+                <a:defRPr>
+                  <a:solidFill>
+                    <a:srgbClr val="FFFFFF"/>
+                  </a:solidFill>
+                </a:defRPr>
+              </a:pPr>
+            </a:p>
+          </p:txBody>
+        </p:sp>
+        <p:sp>
+          <p:nvSpPr>
+            <p:cNvPr id="6" name="文本"/>
+            <p:cNvSpPr txBox="1"/>
+            <p:nvPr/>
+          </p:nvSpPr>
+          <p:spPr>
+            <a:xfrm>
+              <a:off x="0" y="176530"/>
+              <a:ext cx="4194810" cy="367031"/>
+            </a:xfrm>
+            <a:prstGeom prst="rect">
+              <a:avLst/>
+            </a:prstGeom>
+            <a:noFill/>
+            <a:ln w="12700" cap="flat">
+              <a:noFill/>
+              <a:miter lim="400000"/>
+            </a:ln>
+            <a:effectLst/>
+          </p:spPr>
+          <p:txBody>
+            <a:bodyPr wrap="square" lIns="45719" tIns="45719" rIns="45719" bIns="45719" numCol="1" anchor="ctr">
+              <a:spAutoFit/>
+            </a:bodyPr>
+            <a:lstStyle>
+              <a:lvl1pPr algn="ctr">
+                <a:defRPr>
+                  <a:solidFill>
+                    <a:srgbClr val="FFFFFF"/>
+                  </a:solidFill>
+                </a:defRPr>
+              </a:lvl1pPr>
+            </a:lstStyle>
+            <a:p>
+              <a:r>
+                <a:t>   </a:t>
+              </a:r>
+            </a:p>
+          </p:txBody>
+        </p:sp>
+      </p:grpSp>
+      <p:sp>
+        <p:nvSpPr>
+          <p:cNvPr id="7" name="矩形 2"/>
+          <p:cNvSpPr/>
+          <p:nvPr/>
+        </p:nvSpPr>
+        <p:spPr>
+          <a:xfrm>
+            <a:off x="1010919" y="4051299"/>
+            <a:ext cx="648336" cy="720091"/>
+          </a:xfrm>
+          <a:prstGeom prst="rect">
+            <a:avLst/>
+          </a:prstGeom>
+          <a:solidFill>
+            <a:srgbClr val="0092ED"/>
+          </a:solidFill>
+          <a:ln w="12700">
+            <a:miter lim="400000"/>
+          </a:ln>
+        </p:spPr>
+        <p:txBody>
+          <a:bodyPr lIns="45719" rIns="45719" anchor="ctr"/>
+          <a:lstStyle/>
+          <a:p>
+            <a:pPr algn="ctr">
+              <a:defRPr>
+                <a:solidFill>
+                  <a:srgbClr val="FFFFFF"/>
+                </a:solidFill>
+              </a:defRPr>
+            </a:pPr>
+          </a:p>
+        </p:txBody>
+      </p:sp>
+      <p:sp>
+        <p:nvSpPr>
+          <p:cNvPr id="8" name="文本框 9"/>
+          <p:cNvSpPr txBox="1"/>
+          <p:nvPr/>
+        </p:nvSpPr>
+        <p:spPr>
+          <a:xfrm>
+            <a:off x="1875155" y="4051300"/>
+            <a:ext cx="4018280" cy="1322070"/>
+          </a:xfrm>
+          <a:prstGeom prst="rect">
+            <a:avLst/>
+          </a:prstGeom>
+          <a:ln w="12700">
+            <a:miter lim="400000"/>
+          </a:ln>
+        </p:spPr>
+        <p:txBody>
+          <a:bodyPr wrap="square" lIns="45719" rIns="45719">
+            <a:spAutoFit/>
+          </a:bodyPr>
+          <a:lstStyle>
+            <a:lvl1pPr>
+              <a:defRPr sz="4000" b="1">
+                <a:solidFill>
+                  <a:srgbClr val="FFFFFF"/>
+                </a:solidFill>
+                <a:latin typeface="微软雅黑" panose="020B0503020204020204" charset="-122"/>
+                <a:ea typeface="微软雅黑" panose="020B0503020204020204" charset="-122"/>
+                <a:cs typeface="微软雅黑" panose="020B0503020204020204" charset="-122"/>
+                <a:sym typeface="微软雅黑" panose="020B0503020204020204" charset="-122"/>
+              </a:defRPr>
+            </a:lvl1pPr>
+          </a:lstStyle>
+          <a:p>
+            <a:pPr algn="l"/>
+            <a:r>
+              <a:rPr lang="zh-CN">
+                <a:sym typeface="Calibri" panose="020F0502020204030204"/>
+              </a:rPr>
+              <a:t>加快构建速度</a:t>
+            </a:r>
+            <a:endParaRPr kumimoji="0" lang="zh-CN" b="0" i="0" u="none" strike="noStrike" cap="none" spc="0" normalizeH="0" baseline="0">
+              <a:ln>
+                <a:noFill/>
+              </a:ln>
+              <a:solidFill>
+                <a:srgbClr val="000000"/>
+              </a:solidFill>
+              <a:effectLst/>
+              <a:uFillTx/>
+              <a:cs typeface="+mn-cs"/>
+              <a:sym typeface="Calibri" panose="020F0502020204030204"/>
+            </a:endParaRPr>
+          </a:p>
+          <a:p>
+            <a:endParaRPr lang="zh-CN"/>
           </a:p>
         </p:txBody>
       </p:sp>
